--- a/Lab3/Lab 3.pptx
+++ b/Lab3/Lab 3.pptx
@@ -4683,7 +4683,19 @@
             <a:pPr lvl="1"/>
             <a:r>
               <a:rPr lang="en-US" dirty="0"/>
-              <a:t>10 measurements will be taken with 3 – 1/3 cup measuring cups.  </a:t>
+              <a:t>10 measurements will be taken with </a:t>
+            </a:r>
+            <a:r>
+              <a:rPr lang="en-US" dirty="0">
+                <a:solidFill>
+                  <a:srgbClr val="FF0000"/>
+                </a:solidFill>
+              </a:rPr>
+              <a:t>3</a:t>
+            </a:r>
+            <a:r>
+              <a:rPr lang="en-US" dirty="0"/>
+              <a:t> – 1/3 cup measuring cups.  </a:t>
             </a:r>
           </a:p>
         </p:txBody>
@@ -4788,71 +4800,44 @@
           </a:p>
           <a:p>
             <a:pPr lvl="1"/>
+            <a:endParaRPr lang="en-US" i="1" dirty="0"/>
+          </a:p>
+          <a:p>
+            <a:pPr lvl="1"/>
+            <a:r>
+              <a:rPr lang="en-US" i="1" dirty="0"/>
+              <a:t>Open the random_number_generator.xlsx excel sheet to generate random numbers.</a:t>
+            </a:r>
+          </a:p>
+          <a:p>
+            <a:pPr lvl="1"/>
+            <a:endParaRPr lang="en-US" i="1" dirty="0"/>
+          </a:p>
+          <a:p>
+            <a:pPr lvl="1"/>
             <a:r>
               <a:rPr lang="en-US" dirty="0"/>
-              <a:t>In </a:t>
-            </a:r>
-            <a:r>
-              <a:rPr lang="en-US" dirty="0" err="1"/>
-              <a:t>StatCrunch</a:t>
+              <a:t>Fill in the variable column in Table 3.</a:t>
+            </a:r>
+            <a:r>
+              <a:rPr lang="en-US" altLang="zh-CN" dirty="0"/>
+              <a:t>2</a:t>
             </a:r>
             <a:r>
               <a:rPr lang="en-US" dirty="0"/>
-              <a:t>:</a:t>
-            </a:r>
-          </a:p>
-          <a:p>
-            <a:pPr lvl="2"/>
-            <a:r>
-              <a:rPr lang="en-US" dirty="0"/>
-              <a:t>Type “ONES” 10 times in the first column and then type “THIRDS” 10 times in the first column.   </a:t>
-            </a:r>
-          </a:p>
-          <a:p>
-            <a:pPr lvl="2"/>
-            <a:r>
-              <a:rPr lang="en-US" dirty="0"/>
-              <a:t>Click Data -&gt; Sample:</a:t>
-            </a:r>
-          </a:p>
-          <a:p>
-            <a:pPr lvl="3"/>
-            <a:r>
-              <a:rPr lang="en-US" dirty="0"/>
-              <a:t>select columns: var1.  </a:t>
-            </a:r>
-          </a:p>
-          <a:p>
-            <a:pPr lvl="3"/>
-            <a:r>
-              <a:rPr lang="en-US" dirty="0"/>
-              <a:t>Sample size 20.  </a:t>
-            </a:r>
-          </a:p>
-          <a:p>
-            <a:pPr lvl="3"/>
-            <a:r>
-              <a:rPr lang="en-US" dirty="0"/>
-              <a:t>Click Computer.</a:t>
+              <a:t> on page </a:t>
+            </a:r>
+            <a:r>
+              <a:rPr lang="en-US" altLang="zh-CN" dirty="0"/>
+              <a:t>19</a:t>
             </a:r>
           </a:p>
           <a:p>
             <a:pPr lvl="1"/>
             <a:r>
-              <a:rPr lang="en-US" dirty="0"/>
-              <a:t>Fill in the variable column in Table 3.3 on page 20 (you may skip Table 3.2 on page 19) with the output from </a:t>
-            </a:r>
-            <a:r>
-              <a:rPr lang="en-US" dirty="0" err="1"/>
-              <a:t>StatCrunch</a:t>
-            </a:r>
-            <a:r>
-              <a:rPr lang="en-US" dirty="0"/>
-              <a:t>.   </a:t>
-            </a:r>
-          </a:p>
-          <a:p>
-            <a:pPr lvl="3"/>
+              <a:rPr lang="en-US" altLang="zh-CN" dirty="0"/>
+              <a:t>On Page 20, Enter your Randomized Sequence(One and Thirds) in the variable column</a:t>
+            </a:r>
             <a:endParaRPr lang="en-US" dirty="0"/>
           </a:p>
           <a:p>
@@ -4863,54 +4848,6 @@
           </a:p>
         </p:txBody>
       </p:sp>
-      <p:pic>
-        <p:nvPicPr>
-          <p:cNvPr id="5" name="Picture 4"/>
-          <p:cNvPicPr>
-            <a:picLocks noChangeAspect="1"/>
-          </p:cNvPicPr>
-          <p:nvPr/>
-        </p:nvPicPr>
-        <p:blipFill>
-          <a:blip r:embed="rId2"/>
-          <a:stretch>
-            <a:fillRect/>
-          </a:stretch>
-        </p:blipFill>
-        <p:spPr>
-          <a:xfrm>
-            <a:off x="8499605" y="360296"/>
-            <a:ext cx="1781175" cy="4924425"/>
-          </a:xfrm>
-          <a:prstGeom prst="rect">
-            <a:avLst/>
-          </a:prstGeom>
-        </p:spPr>
-      </p:pic>
-      <p:pic>
-        <p:nvPicPr>
-          <p:cNvPr id="4" name="Picture 3"/>
-          <p:cNvPicPr>
-            <a:picLocks noChangeAspect="1"/>
-          </p:cNvPicPr>
-          <p:nvPr/>
-        </p:nvPicPr>
-        <p:blipFill>
-          <a:blip r:embed="rId3"/>
-          <a:stretch>
-            <a:fillRect/>
-          </a:stretch>
-        </p:blipFill>
-        <p:spPr>
-          <a:xfrm>
-            <a:off x="10266007" y="393633"/>
-            <a:ext cx="1771650" cy="4857750"/>
-          </a:xfrm>
-          <a:prstGeom prst="rect">
-            <a:avLst/>
-          </a:prstGeom>
-        </p:spPr>
-      </p:pic>
     </p:spTree>
     <p:extLst>
       <p:ext uri="{BB962C8B-B14F-4D97-AF65-F5344CB8AC3E}">
@@ -4957,319 +4894,7 @@
                                         <p:tgtEl>
                                           <p:spTgt spid="3">
                                             <p:txEl>
-                                              <p:pRg st="3" end="3"/>
-                                            </p:txEl>
-                                          </p:spTgt>
-                                        </p:tgtEl>
-                                        <p:attrNameLst>
-                                          <p:attrName>style.visibility</p:attrName>
-                                        </p:attrNameLst>
-                                      </p:cBhvr>
-                                      <p:to>
-                                        <p:strVal val="visible"/>
-                                      </p:to>
-                                    </p:set>
-                                  </p:childTnLst>
-                                </p:cTn>
-                              </p:par>
-                              <p:par>
-                                <p:cTn id="7" presetID="1" presetClass="entr" presetSubtype="0" fill="hold" nodeType="withEffect">
-                                  <p:stCondLst>
-                                    <p:cond delay="0"/>
-                                  </p:stCondLst>
-                                  <p:childTnLst>
-                                    <p:set>
-                                      <p:cBhvr>
-                                        <p:cTn id="8" dur="1" fill="hold">
-                                          <p:stCondLst>
-                                            <p:cond delay="0"/>
-                                          </p:stCondLst>
-                                        </p:cTn>
-                                        <p:tgtEl>
-                                          <p:spTgt spid="3">
-                                            <p:txEl>
-                                              <p:pRg st="4" end="4"/>
-                                            </p:txEl>
-                                          </p:spTgt>
-                                        </p:tgtEl>
-                                        <p:attrNameLst>
-                                          <p:attrName>style.visibility</p:attrName>
-                                        </p:attrNameLst>
-                                      </p:cBhvr>
-                                      <p:to>
-                                        <p:strVal val="visible"/>
-                                      </p:to>
-                                    </p:set>
-                                  </p:childTnLst>
-                                </p:cTn>
-                              </p:par>
-                            </p:childTnLst>
-                          </p:cTn>
-                        </p:par>
-                      </p:childTnLst>
-                    </p:cTn>
-                  </p:par>
-                  <p:par>
-                    <p:cTn id="9" fill="hold">
-                      <p:stCondLst>
-                        <p:cond delay="indefinite"/>
-                      </p:stCondLst>
-                      <p:childTnLst>
-                        <p:par>
-                          <p:cTn id="10" fill="hold">
-                            <p:stCondLst>
-                              <p:cond delay="0"/>
-                            </p:stCondLst>
-                            <p:childTnLst>
-                              <p:par>
-                                <p:cTn id="11" presetID="1" presetClass="entr" presetSubtype="0" fill="hold" nodeType="clickEffect">
-                                  <p:stCondLst>
-                                    <p:cond delay="0"/>
-                                  </p:stCondLst>
-                                  <p:childTnLst>
-                                    <p:set>
-                                      <p:cBhvr>
-                                        <p:cTn id="12" dur="1" fill="hold">
-                                          <p:stCondLst>
-                                            <p:cond delay="0"/>
-                                          </p:stCondLst>
-                                        </p:cTn>
-                                        <p:tgtEl>
-                                          <p:spTgt spid="5"/>
-                                        </p:tgtEl>
-                                        <p:attrNameLst>
-                                          <p:attrName>style.visibility</p:attrName>
-                                        </p:attrNameLst>
-                                      </p:cBhvr>
-                                      <p:to>
-                                        <p:strVal val="visible"/>
-                                      </p:to>
-                                    </p:set>
-                                  </p:childTnLst>
-                                </p:cTn>
-                              </p:par>
-                            </p:childTnLst>
-                          </p:cTn>
-                        </p:par>
-                      </p:childTnLst>
-                    </p:cTn>
-                  </p:par>
-                  <p:par>
-                    <p:cTn id="13" fill="hold">
-                      <p:stCondLst>
-                        <p:cond delay="indefinite"/>
-                      </p:stCondLst>
-                      <p:childTnLst>
-                        <p:par>
-                          <p:cTn id="14" fill="hold">
-                            <p:stCondLst>
-                              <p:cond delay="0"/>
-                            </p:stCondLst>
-                            <p:childTnLst>
-                              <p:par>
-                                <p:cTn id="15" presetID="1" presetClass="entr" presetSubtype="0" fill="hold" nodeType="clickEffect">
-                                  <p:stCondLst>
-                                    <p:cond delay="0"/>
-                                  </p:stCondLst>
-                                  <p:childTnLst>
-                                    <p:set>
-                                      <p:cBhvr>
-                                        <p:cTn id="16" dur="1" fill="hold">
-                                          <p:stCondLst>
-                                            <p:cond delay="0"/>
-                                          </p:stCondLst>
-                                        </p:cTn>
-                                        <p:tgtEl>
-                                          <p:spTgt spid="3">
-                                            <p:txEl>
-                                              <p:pRg st="5" end="5"/>
-                                            </p:txEl>
-                                          </p:spTgt>
-                                        </p:tgtEl>
-                                        <p:attrNameLst>
-                                          <p:attrName>style.visibility</p:attrName>
-                                        </p:attrNameLst>
-                                      </p:cBhvr>
-                                      <p:to>
-                                        <p:strVal val="visible"/>
-                                      </p:to>
-                                    </p:set>
-                                  </p:childTnLst>
-                                </p:cTn>
-                              </p:par>
-                              <p:par>
-                                <p:cTn id="17" presetID="1" presetClass="entr" presetSubtype="0" fill="hold" nodeType="withEffect">
-                                  <p:stCondLst>
-                                    <p:cond delay="0"/>
-                                  </p:stCondLst>
-                                  <p:childTnLst>
-                                    <p:set>
-                                      <p:cBhvr>
-                                        <p:cTn id="18" dur="1" fill="hold">
-                                          <p:stCondLst>
-                                            <p:cond delay="0"/>
-                                          </p:stCondLst>
-                                        </p:cTn>
-                                        <p:tgtEl>
-                                          <p:spTgt spid="3">
-                                            <p:txEl>
-                                              <p:pRg st="6" end="6"/>
-                                            </p:txEl>
-                                          </p:spTgt>
-                                        </p:tgtEl>
-                                        <p:attrNameLst>
-                                          <p:attrName>style.visibility</p:attrName>
-                                        </p:attrNameLst>
-                                      </p:cBhvr>
-                                      <p:to>
-                                        <p:strVal val="visible"/>
-                                      </p:to>
-                                    </p:set>
-                                  </p:childTnLst>
-                                </p:cTn>
-                              </p:par>
-                              <p:par>
-                                <p:cTn id="19" presetID="1" presetClass="entr" presetSubtype="0" fill="hold" nodeType="withEffect">
-                                  <p:stCondLst>
-                                    <p:cond delay="0"/>
-                                  </p:stCondLst>
-                                  <p:childTnLst>
-                                    <p:set>
-                                      <p:cBhvr>
-                                        <p:cTn id="20" dur="1" fill="hold">
-                                          <p:stCondLst>
-                                            <p:cond delay="0"/>
-                                          </p:stCondLst>
-                                        </p:cTn>
-                                        <p:tgtEl>
-                                          <p:spTgt spid="3">
-                                            <p:txEl>
                                               <p:pRg st="7" end="7"/>
-                                            </p:txEl>
-                                          </p:spTgt>
-                                        </p:tgtEl>
-                                        <p:attrNameLst>
-                                          <p:attrName>style.visibility</p:attrName>
-                                        </p:attrNameLst>
-                                      </p:cBhvr>
-                                      <p:to>
-                                        <p:strVal val="visible"/>
-                                      </p:to>
-                                    </p:set>
-                                  </p:childTnLst>
-                                </p:cTn>
-                              </p:par>
-                              <p:par>
-                                <p:cTn id="21" presetID="1" presetClass="entr" presetSubtype="0" fill="hold" nodeType="withEffect">
-                                  <p:stCondLst>
-                                    <p:cond delay="0"/>
-                                  </p:stCondLst>
-                                  <p:childTnLst>
-                                    <p:set>
-                                      <p:cBhvr>
-                                        <p:cTn id="22" dur="1" fill="hold">
-                                          <p:stCondLst>
-                                            <p:cond delay="0"/>
-                                          </p:stCondLst>
-                                        </p:cTn>
-                                        <p:tgtEl>
-                                          <p:spTgt spid="3">
-                                            <p:txEl>
-                                              <p:pRg st="8" end="8"/>
-                                            </p:txEl>
-                                          </p:spTgt>
-                                        </p:tgtEl>
-                                        <p:attrNameLst>
-                                          <p:attrName>style.visibility</p:attrName>
-                                        </p:attrNameLst>
-                                      </p:cBhvr>
-                                      <p:to>
-                                        <p:strVal val="visible"/>
-                                      </p:to>
-                                    </p:set>
-                                  </p:childTnLst>
-                                </p:cTn>
-                              </p:par>
-                            </p:childTnLst>
-                          </p:cTn>
-                        </p:par>
-                      </p:childTnLst>
-                    </p:cTn>
-                  </p:par>
-                  <p:par>
-                    <p:cTn id="23" fill="hold">
-                      <p:stCondLst>
-                        <p:cond delay="indefinite"/>
-                      </p:stCondLst>
-                      <p:childTnLst>
-                        <p:par>
-                          <p:cTn id="24" fill="hold">
-                            <p:stCondLst>
-                              <p:cond delay="0"/>
-                            </p:stCondLst>
-                            <p:childTnLst>
-                              <p:par>
-                                <p:cTn id="25" presetID="1" presetClass="entr" presetSubtype="0" fill="hold" nodeType="clickEffect">
-                                  <p:stCondLst>
-                                    <p:cond delay="0"/>
-                                  </p:stCondLst>
-                                  <p:childTnLst>
-                                    <p:set>
-                                      <p:cBhvr>
-                                        <p:cTn id="26" dur="1" fill="hold">
-                                          <p:stCondLst>
-                                            <p:cond delay="0"/>
-                                          </p:stCondLst>
-                                        </p:cTn>
-                                        <p:tgtEl>
-                                          <p:spTgt spid="4"/>
-                                        </p:tgtEl>
-                                        <p:attrNameLst>
-                                          <p:attrName>style.visibility</p:attrName>
-                                        </p:attrNameLst>
-                                      </p:cBhvr>
-                                      <p:to>
-                                        <p:strVal val="visible"/>
-                                      </p:to>
-                                    </p:set>
-                                  </p:childTnLst>
-                                </p:cTn>
-                              </p:par>
-                            </p:childTnLst>
-                          </p:cTn>
-                        </p:par>
-                      </p:childTnLst>
-                    </p:cTn>
-                  </p:par>
-                  <p:par>
-                    <p:cTn id="27" fill="hold">
-                      <p:stCondLst>
-                        <p:cond delay="indefinite"/>
-                      </p:stCondLst>
-                      <p:childTnLst>
-                        <p:par>
-                          <p:cTn id="28" fill="hold">
-                            <p:stCondLst>
-                              <p:cond delay="0"/>
-                            </p:stCondLst>
-                            <p:childTnLst>
-                              <p:par>
-                                <p:cTn id="29" presetID="1" presetClass="entr" presetSubtype="0" fill="hold" nodeType="clickEffect">
-                                  <p:stCondLst>
-                                    <p:cond delay="0"/>
-                                  </p:stCondLst>
-                                  <p:childTnLst>
-                                    <p:set>
-                                      <p:cBhvr>
-                                        <p:cTn id="30" dur="1" fill="hold">
-                                          <p:stCondLst>
-                                            <p:cond delay="0"/>
-                                          </p:stCondLst>
-                                        </p:cTn>
-                                        <p:tgtEl>
-                                          <p:spTgt spid="3">
-                                            <p:txEl>
-                                              <p:pRg st="9" end="9"/>
                                             </p:txEl>
                                           </p:spTgt>
                                         </p:tgtEl>
@@ -5387,6 +5012,12 @@
             </a:r>
           </a:p>
           <a:p>
+            <a:pPr marL="457200" lvl="1" indent="0">
+              <a:buNone/>
+            </a:pPr>
+            <a:endParaRPr lang="en-US" dirty="0"/>
+          </a:p>
+          <a:p>
             <a:pPr lvl="1"/>
             <a:r>
               <a:rPr lang="en-US" dirty="0"/>
@@ -5394,17 +5025,59 @@
             </a:r>
           </a:p>
           <a:p>
+            <a:pPr marL="457200" lvl="1" indent="0">
+              <a:buNone/>
+            </a:pPr>
+            <a:endParaRPr lang="en-US" dirty="0"/>
+          </a:p>
+          <a:p>
             <a:pPr lvl="1"/>
             <a:r>
               <a:rPr lang="en-US" dirty="0"/>
-              <a:t>Record the weight (in grams) for 1 cup measurements in table 3.3 on page 20.  </a:t>
+              <a:t>Record the weight (in grams) for 1 cup measurements in table 3.3,</a:t>
+            </a:r>
+            <a:r>
+              <a:rPr lang="en-US" altLang="zh-CN" dirty="0"/>
+              <a:t> on page 20.</a:t>
+            </a:r>
+            <a:r>
+              <a:rPr lang="en-US" dirty="0"/>
+              <a:t> (under column weight(</a:t>
+            </a:r>
+            <a:r>
+              <a:rPr lang="en-US" dirty="0">
+                <a:solidFill>
+                  <a:srgbClr val="FF0000"/>
+                </a:solidFill>
+              </a:rPr>
+              <a:t>g</a:t>
+            </a:r>
+            <a:r>
+              <a:rPr lang="en-US" dirty="0"/>
+              <a:t>))</a:t>
             </a:r>
           </a:p>
           <a:p>
             <a:pPr lvl="1"/>
+            <a:endParaRPr lang="en-US" i="1" dirty="0"/>
+          </a:p>
+          <a:p>
+            <a:pPr lvl="1"/>
             <a:r>
               <a:rPr lang="en-US" i="1" dirty="0"/>
-              <a:t>Make sure you scoop 3 1/3 cups when you are doing the THIRDS.  </a:t>
+              <a:t>Make sure you scoop </a:t>
+            </a:r>
+            <a:r>
+              <a:rPr lang="en-US" i="1" dirty="0">
+                <a:solidFill>
+                  <a:srgbClr val="FF0000"/>
+                </a:solidFill>
+              </a:rPr>
+              <a:t>3</a:t>
+            </a:r>
+            <a:r>
+              <a:rPr lang="en-US" i="1" dirty="0"/>
+              <a:t> 1/3 cups when you are doing the THIRDS.  </a:t>
             </a:r>
           </a:p>
           <a:p>
@@ -5470,8 +5143,8 @@
           </a:p>
         </p:txBody>
       </p:sp>
-      <mc:AlternateContent xmlns:mc="http://schemas.openxmlformats.org/markup-compatibility/2006" xmlns:a14="http://schemas.microsoft.com/office/drawing/2010/main">
-        <mc:Choice Requires="a14">
+      <mc:AlternateContent xmlns:mc="http://schemas.openxmlformats.org/markup-compatibility/2006">
+        <mc:Choice xmlns:a14="http://schemas.microsoft.com/office/drawing/2010/main" Requires="a14">
           <p:sp>
             <p:nvSpPr>
               <p:cNvPr id="3" name="Content Placeholder 2"/>
@@ -5522,8 +5195,16 @@
               <a:p>
                 <a:pPr lvl="1"/>
                 <a:r>
+                  <a:rPr lang="en-US" i="1" dirty="0">
+                    <a:solidFill>
+                      <a:srgbClr val="FF0000"/>
+                    </a:solidFill>
+                  </a:rPr>
+                  <a:t>All calculations should be done by hand (you will have to do it on the exam by hand) </a:t>
+                </a:r>
+                <a:r>
                   <a:rPr lang="en-US" i="1" dirty="0"/>
-                  <a:t>All calculations should be done by hand (you will have to do it on the exam by hand) and the following must be filled in Figure 3.1; Table 3.4; Table 3.5; Table 3.6.</a:t>
+                  <a:t>and the following must be filled in Figure 3.1; Table 3.4; Table 3.5; Table 3.6.</a:t>
                 </a:r>
               </a:p>
               <a:p>
@@ -5619,7 +5300,15 @@
                 <a:pPr lvl="1"/>
                 <a:r>
                   <a:rPr lang="en-US" dirty="0"/>
-                  <a:t>5 # summary:</a:t>
+                  <a:t>5 # summary: </a:t>
+                </a:r>
+                <a:r>
+                  <a:rPr lang="en-US" dirty="0">
+                    <a:solidFill>
+                      <a:srgbClr val="FF0000"/>
+                    </a:solidFill>
+                  </a:rPr>
+                  <a:t>( you draw it by hand)</a:t>
                 </a:r>
               </a:p>
               <a:p>
@@ -5660,7 +5349,7 @@
             </p:txBody>
           </p:sp>
         </mc:Choice>
-        <mc:Fallback xmlns="">
+        <mc:Fallback>
           <p:sp>
             <p:nvSpPr>
               <p:cNvPr id="3" name="Content Placeholder 2"/>
@@ -5676,7 +5365,7 @@
                 <a:off x="223935" y="895739"/>
                 <a:ext cx="11756571" cy="5756988"/>
               </a:xfrm>
-              <a:blipFill rotWithShape="0">
+              <a:blipFill>
                 <a:blip r:embed="rId2"/>
                 <a:stretch>
                   <a:fillRect l="-934" t="-2436" r="-1037"/>
@@ -5688,7 +5377,7 @@
               <a:lstStyle/>
               <a:p>
                 <a:r>
-                  <a:rPr lang="en-US">
+                  <a:rPr lang="zh-CN" altLang="en-US">
                     <a:noFill/>
                   </a:rPr>
                   <a:t> </a:t>

--- a/Lab3/Lab 3.pptx
+++ b/Lab3/Lab 3.pptx
@@ -5308,7 +5308,7 @@
                       <a:srgbClr val="FF0000"/>
                     </a:solidFill>
                   </a:rPr>
-                  <a:t>( you draw it by hand)</a:t>
+                  <a:t>( you draw it by hand) (calculate it by hand then check it!)</a:t>
                 </a:r>
               </a:p>
               <a:p>
@@ -5329,7 +5329,15 @@
                 <a:pPr lvl="1"/>
                 <a:r>
                   <a:rPr lang="en-US" dirty="0"/>
-                  <a:t>Standard deviation:</a:t>
+                  <a:t>Standard deviation: </a:t>
+                </a:r>
+                <a:r>
+                  <a:rPr lang="en-US" dirty="0">
+                    <a:solidFill>
+                      <a:srgbClr val="FF0000"/>
+                    </a:solidFill>
+                  </a:rPr>
+                  <a:t>(You should know how to do it by hand)</a:t>
                 </a:r>
               </a:p>
               <a:p>

--- a/Lab3/Lab 3.pptx
+++ b/Lab3/Lab 3.pptx
@@ -4,22 +4,17 @@
   <p:sldMasterIdLst>
     <p:sldMasterId id="2147483648" r:id="rId1"/>
   </p:sldMasterIdLst>
-  <p:handoutMasterIdLst>
-    <p:handoutMasterId r:id="rId11"/>
-  </p:handoutMasterIdLst>
   <p:sldIdLst>
     <p:sldId id="256" r:id="rId2"/>
-    <p:sldId id="265" r:id="rId3"/>
-    <p:sldId id="260" r:id="rId4"/>
-    <p:sldId id="266" r:id="rId5"/>
-    <p:sldId id="261" r:id="rId6"/>
-    <p:sldId id="267" r:id="rId7"/>
-    <p:sldId id="268" r:id="rId8"/>
-    <p:sldId id="269" r:id="rId9"/>
-    <p:sldId id="263" r:id="rId10"/>
+    <p:sldId id="263" r:id="rId3"/>
+    <p:sldId id="264" r:id="rId4"/>
+    <p:sldId id="258" r:id="rId5"/>
+    <p:sldId id="259" r:id="rId6"/>
+    <p:sldId id="260" r:id="rId7"/>
+    <p:sldId id="261" r:id="rId8"/>
   </p:sldIdLst>
   <p:sldSz cx="12192000" cy="6858000"/>
-  <p:notesSz cx="7010400" cy="9296400"/>
+  <p:notesSz cx="6858000" cy="9144000"/>
   <p:defaultTextStyle>
     <a:defPPr>
       <a:defRPr lang="en-US"/>
@@ -117,186 +112,38 @@
   </p:defaultTextStyle>
   <p:extLst>
     <p:ext uri="{EFAFB233-063F-42B5-8137-9DF3F51BA10A}">
-      <p15:sldGuideLst xmlns:p15="http://schemas.microsoft.com/office/powerpoint/2012/main">
-        <p15:guide id="1" orient="horz" pos="2160">
-          <p15:clr>
-            <a:srgbClr val="A4A3A4"/>
-          </p15:clr>
-        </p15:guide>
-        <p15:guide id="2" pos="3840">
-          <p15:clr>
-            <a:srgbClr val="A4A3A4"/>
-          </p15:clr>
-        </p15:guide>
-      </p15:sldGuideLst>
+      <p15:sldGuideLst xmlns:p15="http://schemas.microsoft.com/office/powerpoint/2012/main"/>
     </p:ext>
   </p:extLst>
 </p:presentation>
 </file>
 
-<file path=ppt/handoutMasters/handoutMaster1.xml><?xml version="1.0" encoding="utf-8"?>
-<p:handoutMaster xmlns:a="http://schemas.openxmlformats.org/drawingml/2006/main" xmlns:r="http://schemas.openxmlformats.org/officeDocument/2006/relationships" xmlns:p="http://schemas.openxmlformats.org/presentationml/2006/main">
-  <p:cSld>
-    <p:bg>
-      <p:bgRef idx="1001">
-        <a:schemeClr val="bg1"/>
-      </p:bgRef>
-    </p:bg>
-    <p:spTree>
-      <p:nvGrpSpPr>
-        <p:cNvPr id="1" name=""/>
-        <p:cNvGrpSpPr/>
-        <p:nvPr/>
-      </p:nvGrpSpPr>
-      <p:grpSpPr>
-        <a:xfrm>
-          <a:off x="0" y="0"/>
-          <a:ext cx="0" cy="0"/>
-          <a:chOff x="0" y="0"/>
-          <a:chExt cx="0" cy="0"/>
-        </a:xfrm>
-      </p:grpSpPr>
-      <p:sp>
-        <p:nvSpPr>
-          <p:cNvPr id="2" name="Header Placeholder 1"/>
-          <p:cNvSpPr>
-            <a:spLocks noGrp="1"/>
-          </p:cNvSpPr>
-          <p:nvPr>
-            <p:ph type="hdr" sz="quarter"/>
-          </p:nvPr>
-        </p:nvSpPr>
-        <p:spPr>
-          <a:xfrm>
-            <a:off x="0" y="0"/>
-            <a:ext cx="3037840" cy="466434"/>
-          </a:xfrm>
-          <a:prstGeom prst="rect">
-            <a:avLst/>
-          </a:prstGeom>
-        </p:spPr>
-        <p:txBody>
-          <a:bodyPr vert="horz" lIns="93177" tIns="46589" rIns="93177" bIns="46589" rtlCol="0"/>
-          <a:lstStyle>
-            <a:lvl1pPr algn="l">
-              <a:defRPr sz="1200"/>
-            </a:lvl1pPr>
-          </a:lstStyle>
-          <a:p>
-            <a:endParaRPr lang="en-US"/>
-          </a:p>
-        </p:txBody>
-      </p:sp>
-      <p:sp>
-        <p:nvSpPr>
-          <p:cNvPr id="3" name="Date Placeholder 2"/>
-          <p:cNvSpPr>
-            <a:spLocks noGrp="1"/>
-          </p:cNvSpPr>
-          <p:nvPr>
-            <p:ph type="dt" sz="quarter" idx="1"/>
-          </p:nvPr>
-        </p:nvSpPr>
-        <p:spPr>
-          <a:xfrm>
-            <a:off x="3970938" y="0"/>
-            <a:ext cx="3037840" cy="466434"/>
-          </a:xfrm>
-          <a:prstGeom prst="rect">
-            <a:avLst/>
-          </a:prstGeom>
-        </p:spPr>
-        <p:txBody>
-          <a:bodyPr vert="horz" lIns="93177" tIns="46589" rIns="93177" bIns="46589" rtlCol="0"/>
-          <a:lstStyle>
-            <a:lvl1pPr algn="r">
-              <a:defRPr sz="1200"/>
-            </a:lvl1pPr>
-          </a:lstStyle>
-          <a:p>
-            <a:fld id="{43828497-B133-47ED-BB19-42F4D3E0744C}" type="datetimeFigureOut">
-              <a:rPr lang="en-US" smtClean="0"/>
-              <a:t>9/3/2019</a:t>
-            </a:fld>
-            <a:endParaRPr lang="en-US"/>
-          </a:p>
-        </p:txBody>
-      </p:sp>
-      <p:sp>
-        <p:nvSpPr>
-          <p:cNvPr id="4" name="Footer Placeholder 3"/>
-          <p:cNvSpPr>
-            <a:spLocks noGrp="1"/>
-          </p:cNvSpPr>
-          <p:nvPr>
-            <p:ph type="ftr" sz="quarter" idx="2"/>
-          </p:nvPr>
-        </p:nvSpPr>
-        <p:spPr>
-          <a:xfrm>
-            <a:off x="0" y="8829967"/>
-            <a:ext cx="3037840" cy="466433"/>
-          </a:xfrm>
-          <a:prstGeom prst="rect">
-            <a:avLst/>
-          </a:prstGeom>
-        </p:spPr>
-        <p:txBody>
-          <a:bodyPr vert="horz" lIns="93177" tIns="46589" rIns="93177" bIns="46589" rtlCol="0" anchor="b"/>
-          <a:lstStyle>
-            <a:lvl1pPr algn="l">
-              <a:defRPr sz="1200"/>
-            </a:lvl1pPr>
-          </a:lstStyle>
-          <a:p>
-            <a:endParaRPr lang="en-US"/>
-          </a:p>
-        </p:txBody>
-      </p:sp>
-      <p:sp>
-        <p:nvSpPr>
-          <p:cNvPr id="5" name="Slide Number Placeholder 4"/>
-          <p:cNvSpPr>
-            <a:spLocks noGrp="1"/>
-          </p:cNvSpPr>
-          <p:nvPr>
-            <p:ph type="sldNum" sz="quarter" idx="3"/>
-          </p:nvPr>
-        </p:nvSpPr>
-        <p:spPr>
-          <a:xfrm>
-            <a:off x="3970938" y="8829967"/>
-            <a:ext cx="3037840" cy="466433"/>
-          </a:xfrm>
-          <a:prstGeom prst="rect">
-            <a:avLst/>
-          </a:prstGeom>
-        </p:spPr>
-        <p:txBody>
-          <a:bodyPr vert="horz" lIns="93177" tIns="46589" rIns="93177" bIns="46589" rtlCol="0" anchor="b"/>
-          <a:lstStyle>
-            <a:lvl1pPr algn="r">
-              <a:defRPr sz="1200"/>
-            </a:lvl1pPr>
-          </a:lstStyle>
-          <a:p>
-            <a:fld id="{78894396-3E3A-4455-952E-E7583D133EC0}" type="slidenum">
-              <a:rPr lang="en-US" smtClean="0"/>
-              <a:t>‹#›</a:t>
-            </a:fld>
-            <a:endParaRPr lang="en-US"/>
-          </a:p>
-        </p:txBody>
-      </p:sp>
-    </p:spTree>
-    <p:extLst>
-      <p:ext uri="{BB962C8B-B14F-4D97-AF65-F5344CB8AC3E}">
-        <p14:creationId xmlns:p14="http://schemas.microsoft.com/office/powerpoint/2010/main" val="3628086953"/>
-      </p:ext>
-    </p:extLst>
-  </p:cSld>
-  <p:clrMap bg1="lt1" tx1="dk1" bg2="lt2" tx2="dk2" accent1="accent1" accent2="accent2" accent3="accent3" accent4="accent4" accent5="accent5" accent6="accent6" hlink="hlink" folHlink="folHlink"/>
-</p:handoutMaster>
+<file path=ppt/ink/ink1.xml><?xml version="1.0" encoding="utf-8"?>
+<inkml:ink xmlns:inkml="http://www.w3.org/2003/InkML">
+  <inkml:definitions>
+    <inkml:context xml:id="ctx0">
+      <inkml:inkSource xml:id="inkSrc0">
+        <inkml:traceFormat>
+          <inkml:channel name="X" type="integer" min="-2.14748E9" max="2.14748E9" units="cm"/>
+          <inkml:channel name="Y" type="integer" min="-2.14748E9" max="2.14748E9" units="cm"/>
+          <inkml:channel name="F" type="integer" max="32767" units="dev"/>
+        </inkml:traceFormat>
+        <inkml:channelProperties>
+          <inkml:channelProperty channel="X" name="resolution" value="1000" units="1/cm"/>
+          <inkml:channelProperty channel="Y" name="resolution" value="1000" units="1/cm"/>
+          <inkml:channelProperty channel="F" name="resolution" value="0" units="1/dev"/>
+        </inkml:channelProperties>
+      </inkml:inkSource>
+      <inkml:timestamp xml:id="ts0" timeString="2020-06-01T15:41:05.233"/>
+    </inkml:context>
+    <inkml:brush xml:id="br0">
+      <inkml:brushProperty name="width" value="0.05" units="cm"/>
+      <inkml:brushProperty name="height" value="0.05" units="cm"/>
+      <inkml:brushProperty name="color" value="#E71224"/>
+    </inkml:brush>
+  </inkml:definitions>
+  <inkml:trace contextRef="#ctx0" brushRef="#br0">1 1 24575,'0'0'0</inkml:trace>
+</inkml:ink>
 </file>
 
 <file path=ppt/slideLayouts/slideLayout1.xml><?xml version="1.0" encoding="utf-8"?>
@@ -426,9 +273,9 @@
           <a:bodyPr/>
           <a:lstStyle/>
           <a:p>
-            <a:fld id="{D8FB3228-FF70-4911-9C29-93CE4A8BFC98}" type="datetimeFigureOut">
+            <a:fld id="{980DDB0B-E733-48E9-8000-7882888BF0D3}" type="datetimeFigureOut">
               <a:rPr lang="en-US" smtClean="0"/>
-              <a:t>9/3/2019</a:t>
+              <a:t>1/12/2021</a:t>
             </a:fld>
             <a:endParaRPr lang="en-US"/>
           </a:p>
@@ -468,7 +315,7 @@
           <a:bodyPr/>
           <a:lstStyle/>
           <a:p>
-            <a:fld id="{1D8BBA6C-C3A5-4C4D-A523-494DF3FADA23}" type="slidenum">
+            <a:fld id="{67DD1499-0B6A-44F8-BFE8-63D641DFC437}" type="slidenum">
               <a:rPr lang="en-US" smtClean="0"/>
               <a:t>‹#›</a:t>
             </a:fld>
@@ -479,7 +326,7 @@
     </p:spTree>
     <p:extLst>
       <p:ext uri="{BB962C8B-B14F-4D97-AF65-F5344CB8AC3E}">
-        <p14:creationId xmlns:p14="http://schemas.microsoft.com/office/powerpoint/2010/main" val="3445476627"/>
+        <p14:creationId xmlns:p14="http://schemas.microsoft.com/office/powerpoint/2010/main" val="435546503"/>
       </p:ext>
     </p:extLst>
   </p:cSld>
@@ -594,9 +441,9 @@
           <a:bodyPr/>
           <a:lstStyle/>
           <a:p>
-            <a:fld id="{D8FB3228-FF70-4911-9C29-93CE4A8BFC98}" type="datetimeFigureOut">
+            <a:fld id="{980DDB0B-E733-48E9-8000-7882888BF0D3}" type="datetimeFigureOut">
               <a:rPr lang="en-US" smtClean="0"/>
-              <a:t>9/3/2019</a:t>
+              <a:t>1/12/2021</a:t>
             </a:fld>
             <a:endParaRPr lang="en-US"/>
           </a:p>
@@ -636,7 +483,7 @@
           <a:bodyPr/>
           <a:lstStyle/>
           <a:p>
-            <a:fld id="{1D8BBA6C-C3A5-4C4D-A523-494DF3FADA23}" type="slidenum">
+            <a:fld id="{67DD1499-0B6A-44F8-BFE8-63D641DFC437}" type="slidenum">
               <a:rPr lang="en-US" smtClean="0"/>
               <a:t>‹#›</a:t>
             </a:fld>
@@ -647,7 +494,7 @@
     </p:spTree>
     <p:extLst>
       <p:ext uri="{BB962C8B-B14F-4D97-AF65-F5344CB8AC3E}">
-        <p14:creationId xmlns:p14="http://schemas.microsoft.com/office/powerpoint/2010/main" val="726634927"/>
+        <p14:creationId xmlns:p14="http://schemas.microsoft.com/office/powerpoint/2010/main" val="2805857886"/>
       </p:ext>
     </p:extLst>
   </p:cSld>
@@ -772,9 +619,9 @@
           <a:bodyPr/>
           <a:lstStyle/>
           <a:p>
-            <a:fld id="{D8FB3228-FF70-4911-9C29-93CE4A8BFC98}" type="datetimeFigureOut">
+            <a:fld id="{980DDB0B-E733-48E9-8000-7882888BF0D3}" type="datetimeFigureOut">
               <a:rPr lang="en-US" smtClean="0"/>
-              <a:t>9/3/2019</a:t>
+              <a:t>1/12/2021</a:t>
             </a:fld>
             <a:endParaRPr lang="en-US"/>
           </a:p>
@@ -814,7 +661,7 @@
           <a:bodyPr/>
           <a:lstStyle/>
           <a:p>
-            <a:fld id="{1D8BBA6C-C3A5-4C4D-A523-494DF3FADA23}" type="slidenum">
+            <a:fld id="{67DD1499-0B6A-44F8-BFE8-63D641DFC437}" type="slidenum">
               <a:rPr lang="en-US" smtClean="0"/>
               <a:t>‹#›</a:t>
             </a:fld>
@@ -825,7 +672,7 @@
     </p:spTree>
     <p:extLst>
       <p:ext uri="{BB962C8B-B14F-4D97-AF65-F5344CB8AC3E}">
-        <p14:creationId xmlns:p14="http://schemas.microsoft.com/office/powerpoint/2010/main" val="3168049473"/>
+        <p14:creationId xmlns:p14="http://schemas.microsoft.com/office/powerpoint/2010/main" val="2281115851"/>
       </p:ext>
     </p:extLst>
   </p:cSld>
@@ -940,9 +787,9 @@
           <a:bodyPr/>
           <a:lstStyle/>
           <a:p>
-            <a:fld id="{D8FB3228-FF70-4911-9C29-93CE4A8BFC98}" type="datetimeFigureOut">
+            <a:fld id="{980DDB0B-E733-48E9-8000-7882888BF0D3}" type="datetimeFigureOut">
               <a:rPr lang="en-US" smtClean="0"/>
-              <a:t>9/3/2019</a:t>
+              <a:t>1/12/2021</a:t>
             </a:fld>
             <a:endParaRPr lang="en-US"/>
           </a:p>
@@ -982,7 +829,7 @@
           <a:bodyPr/>
           <a:lstStyle/>
           <a:p>
-            <a:fld id="{1D8BBA6C-C3A5-4C4D-A523-494DF3FADA23}" type="slidenum">
+            <a:fld id="{67DD1499-0B6A-44F8-BFE8-63D641DFC437}" type="slidenum">
               <a:rPr lang="en-US" smtClean="0"/>
               <a:t>‹#›</a:t>
             </a:fld>
@@ -993,7 +840,7 @@
     </p:spTree>
     <p:extLst>
       <p:ext uri="{BB962C8B-B14F-4D97-AF65-F5344CB8AC3E}">
-        <p14:creationId xmlns:p14="http://schemas.microsoft.com/office/powerpoint/2010/main" val="3896498362"/>
+        <p14:creationId xmlns:p14="http://schemas.microsoft.com/office/powerpoint/2010/main" val="797203618"/>
       </p:ext>
     </p:extLst>
   </p:cSld>
@@ -1185,9 +1032,9 @@
           <a:bodyPr/>
           <a:lstStyle/>
           <a:p>
-            <a:fld id="{D8FB3228-FF70-4911-9C29-93CE4A8BFC98}" type="datetimeFigureOut">
+            <a:fld id="{980DDB0B-E733-48E9-8000-7882888BF0D3}" type="datetimeFigureOut">
               <a:rPr lang="en-US" smtClean="0"/>
-              <a:t>9/3/2019</a:t>
+              <a:t>1/12/2021</a:t>
             </a:fld>
             <a:endParaRPr lang="en-US"/>
           </a:p>
@@ -1227,7 +1074,7 @@
           <a:bodyPr/>
           <a:lstStyle/>
           <a:p>
-            <a:fld id="{1D8BBA6C-C3A5-4C4D-A523-494DF3FADA23}" type="slidenum">
+            <a:fld id="{67DD1499-0B6A-44F8-BFE8-63D641DFC437}" type="slidenum">
               <a:rPr lang="en-US" smtClean="0"/>
               <a:t>‹#›</a:t>
             </a:fld>
@@ -1238,7 +1085,7 @@
     </p:spTree>
     <p:extLst>
       <p:ext uri="{BB962C8B-B14F-4D97-AF65-F5344CB8AC3E}">
-        <p14:creationId xmlns:p14="http://schemas.microsoft.com/office/powerpoint/2010/main" val="932504656"/>
+        <p14:creationId xmlns:p14="http://schemas.microsoft.com/office/powerpoint/2010/main" val="2497970013"/>
       </p:ext>
     </p:extLst>
   </p:cSld>
@@ -1414,9 +1261,9 @@
           <a:bodyPr/>
           <a:lstStyle/>
           <a:p>
-            <a:fld id="{D8FB3228-FF70-4911-9C29-93CE4A8BFC98}" type="datetimeFigureOut">
+            <a:fld id="{980DDB0B-E733-48E9-8000-7882888BF0D3}" type="datetimeFigureOut">
               <a:rPr lang="en-US" smtClean="0"/>
-              <a:t>9/3/2019</a:t>
+              <a:t>1/12/2021</a:t>
             </a:fld>
             <a:endParaRPr lang="en-US"/>
           </a:p>
@@ -1456,7 +1303,7 @@
           <a:bodyPr/>
           <a:lstStyle/>
           <a:p>
-            <a:fld id="{1D8BBA6C-C3A5-4C4D-A523-494DF3FADA23}" type="slidenum">
+            <a:fld id="{67DD1499-0B6A-44F8-BFE8-63D641DFC437}" type="slidenum">
               <a:rPr lang="en-US" smtClean="0"/>
               <a:t>‹#›</a:t>
             </a:fld>
@@ -1467,7 +1314,7 @@
     </p:spTree>
     <p:extLst>
       <p:ext uri="{BB962C8B-B14F-4D97-AF65-F5344CB8AC3E}">
-        <p14:creationId xmlns:p14="http://schemas.microsoft.com/office/powerpoint/2010/main" val="133725681"/>
+        <p14:creationId xmlns:p14="http://schemas.microsoft.com/office/powerpoint/2010/main" val="86406455"/>
       </p:ext>
     </p:extLst>
   </p:cSld>
@@ -1778,9 +1625,9 @@
           <a:bodyPr/>
           <a:lstStyle/>
           <a:p>
-            <a:fld id="{D8FB3228-FF70-4911-9C29-93CE4A8BFC98}" type="datetimeFigureOut">
+            <a:fld id="{980DDB0B-E733-48E9-8000-7882888BF0D3}" type="datetimeFigureOut">
               <a:rPr lang="en-US" smtClean="0"/>
-              <a:t>9/3/2019</a:t>
+              <a:t>1/12/2021</a:t>
             </a:fld>
             <a:endParaRPr lang="en-US"/>
           </a:p>
@@ -1820,7 +1667,7 @@
           <a:bodyPr/>
           <a:lstStyle/>
           <a:p>
-            <a:fld id="{1D8BBA6C-C3A5-4C4D-A523-494DF3FADA23}" type="slidenum">
+            <a:fld id="{67DD1499-0B6A-44F8-BFE8-63D641DFC437}" type="slidenum">
               <a:rPr lang="en-US" smtClean="0"/>
               <a:t>‹#›</a:t>
             </a:fld>
@@ -1831,7 +1678,7 @@
     </p:spTree>
     <p:extLst>
       <p:ext uri="{BB962C8B-B14F-4D97-AF65-F5344CB8AC3E}">
-        <p14:creationId xmlns:p14="http://schemas.microsoft.com/office/powerpoint/2010/main" val="2333522395"/>
+        <p14:creationId xmlns:p14="http://schemas.microsoft.com/office/powerpoint/2010/main" val="2127815958"/>
       </p:ext>
     </p:extLst>
   </p:cSld>
@@ -1895,9 +1742,9 @@
           <a:bodyPr/>
           <a:lstStyle/>
           <a:p>
-            <a:fld id="{D8FB3228-FF70-4911-9C29-93CE4A8BFC98}" type="datetimeFigureOut">
+            <a:fld id="{980DDB0B-E733-48E9-8000-7882888BF0D3}" type="datetimeFigureOut">
               <a:rPr lang="en-US" smtClean="0"/>
-              <a:t>9/3/2019</a:t>
+              <a:t>1/12/2021</a:t>
             </a:fld>
             <a:endParaRPr lang="en-US"/>
           </a:p>
@@ -1937,7 +1784,7 @@
           <a:bodyPr/>
           <a:lstStyle/>
           <a:p>
-            <a:fld id="{1D8BBA6C-C3A5-4C4D-A523-494DF3FADA23}" type="slidenum">
+            <a:fld id="{67DD1499-0B6A-44F8-BFE8-63D641DFC437}" type="slidenum">
               <a:rPr lang="en-US" smtClean="0"/>
               <a:t>‹#›</a:t>
             </a:fld>
@@ -1948,7 +1795,7 @@
     </p:spTree>
     <p:extLst>
       <p:ext uri="{BB962C8B-B14F-4D97-AF65-F5344CB8AC3E}">
-        <p14:creationId xmlns:p14="http://schemas.microsoft.com/office/powerpoint/2010/main" val="758846893"/>
+        <p14:creationId xmlns:p14="http://schemas.microsoft.com/office/powerpoint/2010/main" val="1183713860"/>
       </p:ext>
     </p:extLst>
   </p:cSld>
@@ -1990,9 +1837,9 @@
           <a:bodyPr/>
           <a:lstStyle/>
           <a:p>
-            <a:fld id="{D8FB3228-FF70-4911-9C29-93CE4A8BFC98}" type="datetimeFigureOut">
+            <a:fld id="{980DDB0B-E733-48E9-8000-7882888BF0D3}" type="datetimeFigureOut">
               <a:rPr lang="en-US" smtClean="0"/>
-              <a:t>9/3/2019</a:t>
+              <a:t>1/12/2021</a:t>
             </a:fld>
             <a:endParaRPr lang="en-US"/>
           </a:p>
@@ -2032,7 +1879,7 @@
           <a:bodyPr/>
           <a:lstStyle/>
           <a:p>
-            <a:fld id="{1D8BBA6C-C3A5-4C4D-A523-494DF3FADA23}" type="slidenum">
+            <a:fld id="{67DD1499-0B6A-44F8-BFE8-63D641DFC437}" type="slidenum">
               <a:rPr lang="en-US" smtClean="0"/>
               <a:t>‹#›</a:t>
             </a:fld>
@@ -2043,7 +1890,7 @@
     </p:spTree>
     <p:extLst>
       <p:ext uri="{BB962C8B-B14F-4D97-AF65-F5344CB8AC3E}">
-        <p14:creationId xmlns:p14="http://schemas.microsoft.com/office/powerpoint/2010/main" val="3311703661"/>
+        <p14:creationId xmlns:p14="http://schemas.microsoft.com/office/powerpoint/2010/main" val="3698749110"/>
       </p:ext>
     </p:extLst>
   </p:cSld>
@@ -2265,9 +2112,9 @@
           <a:bodyPr/>
           <a:lstStyle/>
           <a:p>
-            <a:fld id="{D8FB3228-FF70-4911-9C29-93CE4A8BFC98}" type="datetimeFigureOut">
+            <a:fld id="{980DDB0B-E733-48E9-8000-7882888BF0D3}" type="datetimeFigureOut">
               <a:rPr lang="en-US" smtClean="0"/>
-              <a:t>9/3/2019</a:t>
+              <a:t>1/12/2021</a:t>
             </a:fld>
             <a:endParaRPr lang="en-US"/>
           </a:p>
@@ -2307,7 +2154,7 @@
           <a:bodyPr/>
           <a:lstStyle/>
           <a:p>
-            <a:fld id="{1D8BBA6C-C3A5-4C4D-A523-494DF3FADA23}" type="slidenum">
+            <a:fld id="{67DD1499-0B6A-44F8-BFE8-63D641DFC437}" type="slidenum">
               <a:rPr lang="en-US" smtClean="0"/>
               <a:t>‹#›</a:t>
             </a:fld>
@@ -2318,7 +2165,7 @@
     </p:spTree>
     <p:extLst>
       <p:ext uri="{BB962C8B-B14F-4D97-AF65-F5344CB8AC3E}">
-        <p14:creationId xmlns:p14="http://schemas.microsoft.com/office/powerpoint/2010/main" val="2780946734"/>
+        <p14:creationId xmlns:p14="http://schemas.microsoft.com/office/powerpoint/2010/main" val="2754651150"/>
       </p:ext>
     </p:extLst>
   </p:cSld>
@@ -2517,9 +2364,9 @@
           <a:bodyPr/>
           <a:lstStyle/>
           <a:p>
-            <a:fld id="{D8FB3228-FF70-4911-9C29-93CE4A8BFC98}" type="datetimeFigureOut">
+            <a:fld id="{980DDB0B-E733-48E9-8000-7882888BF0D3}" type="datetimeFigureOut">
               <a:rPr lang="en-US" smtClean="0"/>
-              <a:t>9/3/2019</a:t>
+              <a:t>1/12/2021</a:t>
             </a:fld>
             <a:endParaRPr lang="en-US"/>
           </a:p>
@@ -2559,7 +2406,7 @@
           <a:bodyPr/>
           <a:lstStyle/>
           <a:p>
-            <a:fld id="{1D8BBA6C-C3A5-4C4D-A523-494DF3FADA23}" type="slidenum">
+            <a:fld id="{67DD1499-0B6A-44F8-BFE8-63D641DFC437}" type="slidenum">
               <a:rPr lang="en-US" smtClean="0"/>
               <a:t>‹#›</a:t>
             </a:fld>
@@ -2570,7 +2417,7 @@
     </p:spTree>
     <p:extLst>
       <p:ext uri="{BB962C8B-B14F-4D97-AF65-F5344CB8AC3E}">
-        <p14:creationId xmlns:p14="http://schemas.microsoft.com/office/powerpoint/2010/main" val="3376010731"/>
+        <p14:creationId xmlns:p14="http://schemas.microsoft.com/office/powerpoint/2010/main" val="3091244844"/>
       </p:ext>
     </p:extLst>
   </p:cSld>
@@ -2728,9 +2575,9 @@
             </a:lvl1pPr>
           </a:lstStyle>
           <a:p>
-            <a:fld id="{D8FB3228-FF70-4911-9C29-93CE4A8BFC98}" type="datetimeFigureOut">
+            <a:fld id="{980DDB0B-E733-48E9-8000-7882888BF0D3}" type="datetimeFigureOut">
               <a:rPr lang="en-US" smtClean="0"/>
-              <a:t>9/3/2019</a:t>
+              <a:t>1/12/2021</a:t>
             </a:fld>
             <a:endParaRPr lang="en-US"/>
           </a:p>
@@ -2806,7 +2653,7 @@
             </a:lvl1pPr>
           </a:lstStyle>
           <a:p>
-            <a:fld id="{1D8BBA6C-C3A5-4C4D-A523-494DF3FADA23}" type="slidenum">
+            <a:fld id="{67DD1499-0B6A-44F8-BFE8-63D641DFC437}" type="slidenum">
               <a:rPr lang="en-US" smtClean="0"/>
               <a:t>‹#›</a:t>
             </a:fld>
@@ -2817,7 +2664,7 @@
     </p:spTree>
     <p:extLst>
       <p:ext uri="{BB962C8B-B14F-4D97-AF65-F5344CB8AC3E}">
-        <p14:creationId xmlns:p14="http://schemas.microsoft.com/office/powerpoint/2010/main" val="3210424404"/>
+        <p14:creationId xmlns:p14="http://schemas.microsoft.com/office/powerpoint/2010/main" val="1996681594"/>
       </p:ext>
     </p:extLst>
   </p:cSld>
@@ -3145,21 +2992,14 @@
             <p:ph type="ctrTitle"/>
           </p:nvPr>
         </p:nvSpPr>
-        <p:spPr>
-          <a:xfrm>
-            <a:off x="1225420" y="217293"/>
-            <a:ext cx="9144000" cy="2387600"/>
-          </a:xfrm>
-        </p:spPr>
-        <p:txBody>
-          <a:bodyPr>
-            <a:normAutofit/>
-          </a:bodyPr>
+        <p:spPr/>
+        <p:txBody>
+          <a:bodyPr/>
           <a:lstStyle/>
           <a:p>
             <a:r>
               <a:rPr lang="en-US" dirty="0"/>
-              <a:t>Lab 3: Variability Due to the Measuring Instrument</a:t>
+              <a:t>Lab 3: A Foodie’s Dilemma</a:t>
             </a:r>
           </a:p>
         </p:txBody>
@@ -3174,93 +3014,14 @@
             <p:ph type="subTitle" idx="1"/>
           </p:nvPr>
         </p:nvSpPr>
-        <p:spPr>
-          <a:xfrm>
-            <a:off x="1076130" y="2715630"/>
-            <a:ext cx="10353870" cy="3685170"/>
-          </a:xfrm>
-        </p:spPr>
-        <p:txBody>
-          <a:bodyPr>
-            <a:normAutofit lnSpcReduction="10000"/>
-          </a:bodyPr>
-          <a:lstStyle/>
-          <a:p>
-            <a:r>
-              <a:rPr lang="en-US" sz="3000" dirty="0">
-                <a:solidFill>
-                  <a:srgbClr val="0070C0"/>
-                </a:solidFill>
-              </a:rPr>
-              <a:t>As you enter room:</a:t>
-            </a:r>
-          </a:p>
-          <a:p>
-            <a:r>
-              <a:rPr lang="en-US" sz="3000" dirty="0">
-                <a:solidFill>
-                  <a:srgbClr val="0070C0"/>
-                </a:solidFill>
-              </a:rPr>
-              <a:t>* Find your name on the sign in sheet.</a:t>
-            </a:r>
-          </a:p>
-          <a:p>
-            <a:pPr marL="914400" lvl="1" indent="-457200">
-              <a:buAutoNum type="arabicPeriod"/>
-            </a:pPr>
-            <a:r>
-              <a:rPr lang="en-US" sz="3000" dirty="0">
-                <a:solidFill>
-                  <a:srgbClr val="0070C0"/>
-                </a:solidFill>
-              </a:rPr>
-              <a:t>Sign In by your Name</a:t>
-            </a:r>
-          </a:p>
-          <a:p>
-            <a:pPr marL="914400" lvl="1" indent="-457200">
-              <a:buAutoNum type="arabicPeriod"/>
-            </a:pPr>
-            <a:r>
-              <a:rPr lang="en-US" sz="3000" dirty="0">
-                <a:solidFill>
-                  <a:srgbClr val="0070C0"/>
-                </a:solidFill>
-              </a:rPr>
-              <a:t>Find the Table you were randomly assigned.  </a:t>
-            </a:r>
-          </a:p>
-          <a:p>
-            <a:pPr lvl="1"/>
-            <a:r>
-              <a:rPr lang="en-US" sz="3000" dirty="0">
-                <a:solidFill>
-                  <a:srgbClr val="0070C0"/>
-                </a:solidFill>
-              </a:rPr>
-              <a:t>** Sit at any of the seats and the table you were assigned.</a:t>
-            </a:r>
-          </a:p>
-          <a:p>
-            <a:pPr marL="914400" lvl="1" indent="-457200">
-              <a:buAutoNum type="arabicPeriod"/>
-            </a:pPr>
-            <a:endParaRPr lang="en-US" sz="3000" dirty="0">
-              <a:solidFill>
-                <a:srgbClr val="0070C0"/>
-              </a:solidFill>
-            </a:endParaRPr>
-          </a:p>
-          <a:p>
-            <a:pPr lvl="1"/>
-            <a:r>
-              <a:rPr lang="en-US" sz="3000" dirty="0">
-                <a:solidFill>
-                  <a:srgbClr val="0070C0"/>
-                </a:solidFill>
-              </a:rPr>
-              <a:t>Graded Lab 2 Reports will be returned – keep these in case of an issue with the gradebook</a:t>
+        <p:spPr/>
+        <p:txBody>
+          <a:bodyPr/>
+          <a:lstStyle/>
+          <a:p>
+            <a:r>
+              <a:rPr lang="en-US" dirty="0"/>
+              <a:t>STAT 201: Elementary Statistics</a:t>
             </a:r>
           </a:p>
         </p:txBody>
@@ -3268,7 +3029,7 @@
     </p:spTree>
     <p:extLst>
       <p:ext uri="{BB962C8B-B14F-4D97-AF65-F5344CB8AC3E}">
-        <p14:creationId xmlns:p14="http://schemas.microsoft.com/office/powerpoint/2010/main" val="4135515358"/>
+        <p14:creationId xmlns:p14="http://schemas.microsoft.com/office/powerpoint/2010/main" val="1747952875"/>
       </p:ext>
     </p:extLst>
   </p:cSld>
@@ -3295,89 +3056,40 @@
           <a:chExt cx="0" cy="0"/>
         </a:xfrm>
       </p:grpSpPr>
-      <p:sp>
-        <p:nvSpPr>
-          <p:cNvPr id="2" name="Title 1"/>
-          <p:cNvSpPr>
-            <a:spLocks noGrp="1"/>
-          </p:cNvSpPr>
-          <p:nvPr>
-            <p:ph type="title"/>
-          </p:nvPr>
-        </p:nvSpPr>
-        <p:spPr/>
-        <p:txBody>
-          <a:bodyPr/>
-          <a:lstStyle/>
-          <a:p>
-            <a:r>
-              <a:rPr lang="en-US" dirty="0"/>
-              <a:t>Materials Needed for This Lab</a:t>
-            </a:r>
-          </a:p>
-        </p:txBody>
-      </p:sp>
-      <p:sp>
-        <p:nvSpPr>
-          <p:cNvPr id="3" name="Content Placeholder 2"/>
-          <p:cNvSpPr>
-            <a:spLocks noGrp="1"/>
-          </p:cNvSpPr>
-          <p:nvPr>
-            <p:ph idx="1"/>
-          </p:nvPr>
-        </p:nvSpPr>
-        <p:spPr/>
-        <p:txBody>
-          <a:bodyPr/>
-          <a:lstStyle/>
-          <a:p>
-            <a:r>
-              <a:rPr lang="en-US" dirty="0"/>
-              <a:t>Each table should have the following:</a:t>
-            </a:r>
-          </a:p>
-          <a:p>
-            <a:pPr lvl="1"/>
-            <a:r>
-              <a:rPr lang="en-US" dirty="0"/>
-              <a:t>A container of beads.</a:t>
-            </a:r>
-          </a:p>
-          <a:p>
-            <a:pPr lvl="1"/>
-            <a:r>
-              <a:rPr lang="en-US" dirty="0"/>
-              <a:t>A Measuring Cup that measures 1 cup.</a:t>
-            </a:r>
-          </a:p>
-          <a:p>
-            <a:pPr lvl="1"/>
-            <a:r>
-              <a:rPr lang="en-US" dirty="0"/>
-              <a:t>A Measuring Cup that measures 1/3 cup.</a:t>
-            </a:r>
-          </a:p>
-          <a:p>
-            <a:pPr lvl="1"/>
-            <a:r>
-              <a:rPr lang="en-US" dirty="0"/>
-              <a:t>A plastic container to weigh the beads in.</a:t>
-            </a:r>
-          </a:p>
-          <a:p>
-            <a:pPr lvl="1"/>
-            <a:r>
-              <a:rPr lang="en-US" dirty="0"/>
-              <a:t>A scale.  </a:t>
-            </a:r>
-          </a:p>
-        </p:txBody>
-      </p:sp>
+      <p:pic>
+        <p:nvPicPr>
+          <p:cNvPr id="5" name="Picture 4">
+            <a:extLst>
+              <a:ext uri="{FF2B5EF4-FFF2-40B4-BE49-F238E27FC236}">
+                <a16:creationId xmlns:a16="http://schemas.microsoft.com/office/drawing/2014/main" id="{BB1ADC85-8CE5-4060-98A3-318B1B3632AB}"/>
+              </a:ext>
+            </a:extLst>
+          </p:cNvPr>
+          <p:cNvPicPr>
+            <a:picLocks noChangeAspect="1"/>
+          </p:cNvPicPr>
+          <p:nvPr/>
+        </p:nvPicPr>
+        <p:blipFill>
+          <a:blip r:embed="rId2"/>
+          <a:stretch>
+            <a:fillRect/>
+          </a:stretch>
+        </p:blipFill>
+        <p:spPr>
+          <a:xfrm>
+            <a:off x="0" y="460767"/>
+            <a:ext cx="12192000" cy="6397233"/>
+          </a:xfrm>
+          <a:prstGeom prst="rect">
+            <a:avLst/>
+          </a:prstGeom>
+        </p:spPr>
+      </p:pic>
     </p:spTree>
     <p:extLst>
       <p:ext uri="{BB962C8B-B14F-4D97-AF65-F5344CB8AC3E}">
-        <p14:creationId xmlns:p14="http://schemas.microsoft.com/office/powerpoint/2010/main" val="3657071209"/>
+        <p14:creationId xmlns:p14="http://schemas.microsoft.com/office/powerpoint/2010/main" val="2392282984"/>
       </p:ext>
     </p:extLst>
   </p:cSld>
@@ -3404,309 +3116,40 @@
           <a:chExt cx="0" cy="0"/>
         </a:xfrm>
       </p:grpSpPr>
-      <p:sp>
-        <p:nvSpPr>
-          <p:cNvPr id="2" name="Title 1"/>
-          <p:cNvSpPr>
-            <a:spLocks noGrp="1"/>
-          </p:cNvSpPr>
-          <p:nvPr>
-            <p:ph type="title"/>
-          </p:nvPr>
-        </p:nvSpPr>
-        <p:spPr/>
-        <p:txBody>
-          <a:bodyPr/>
-          <a:lstStyle/>
-          <a:p>
-            <a:r>
-              <a:rPr lang="en-US" dirty="0"/>
-              <a:t>Concepts Needed for Lab 3</a:t>
-            </a:r>
-          </a:p>
-        </p:txBody>
-      </p:sp>
-      <mc:AlternateContent xmlns:mc="http://schemas.openxmlformats.org/markup-compatibility/2006" xmlns:a14="http://schemas.microsoft.com/office/drawing/2010/main">
-        <mc:Choice Requires="a14">
-          <p:sp>
-            <p:nvSpPr>
-              <p:cNvPr id="3" name="Content Placeholder 2"/>
-              <p:cNvSpPr>
-                <a:spLocks noGrp="1"/>
-              </p:cNvSpPr>
-              <p:nvPr>
-                <p:ph idx="1"/>
-              </p:nvPr>
-            </p:nvSpPr>
-            <p:spPr>
-              <a:xfrm>
-                <a:off x="186613" y="1287624"/>
-                <a:ext cx="11167188" cy="4889339"/>
-              </a:xfrm>
-            </p:spPr>
-            <p:txBody>
-              <a:bodyPr/>
-              <a:lstStyle/>
-              <a:p>
-                <a:r>
-                  <a:rPr lang="en-US" dirty="0"/>
-                  <a:t>Variability in Quantitative Data:</a:t>
-                </a:r>
-              </a:p>
-              <a:p>
-                <a:pPr lvl="1"/>
-                <a:r>
-                  <a:rPr lang="en-US" dirty="0"/>
-                  <a:t>Measures how different the values are for a given variable.   </a:t>
-                </a:r>
-              </a:p>
-              <a:p>
-                <a:pPr lvl="1"/>
-                <a:r>
-                  <a:rPr lang="en-US" dirty="0"/>
-                  <a:t>It is important to know not only what  a typical value is for a variable (mean or median) but how much the data is scattered away from that typical value.  </a:t>
-                </a:r>
-              </a:p>
-              <a:p>
-                <a:pPr lvl="1"/>
-                <a:r>
-                  <a:rPr lang="en-US" dirty="0"/>
-                  <a:t>The smaller the variability (scattering from the center) the mores consistent the data is).</a:t>
-                </a:r>
-              </a:p>
-              <a:p>
-                <a:r>
-                  <a:rPr lang="en-US" dirty="0"/>
-                  <a:t>Standard Deviation:</a:t>
-                </a:r>
-              </a:p>
-              <a:p>
-                <a:pPr lvl="1"/>
-                <a:r>
-                  <a:rPr lang="en-US" dirty="0"/>
-                  <a:t>The average distance values from the mean.   </a:t>
-                </a:r>
-              </a:p>
-              <a:p>
-                <a:pPr lvl="1"/>
-                <a14:m>
-                  <m:oMath xmlns:m="http://schemas.openxmlformats.org/officeDocument/2006/math">
-                    <m:r>
-                      <m:rPr>
-                        <m:sty m:val="p"/>
-                      </m:rPr>
-                      <a:rPr lang="en-US">
-                        <a:latin typeface="Cambria Math" panose="02040503050406030204" pitchFamily="18" charset="0"/>
-                      </a:rPr>
-                      <m:t>s</m:t>
-                    </m:r>
-                    <m:r>
-                      <a:rPr lang="en-US">
-                        <a:latin typeface="Cambria Math" panose="02040503050406030204" pitchFamily="18" charset="0"/>
-                      </a:rPr>
-                      <m:t>= </m:t>
-                    </m:r>
-                    <m:rad>
-                      <m:radPr>
-                        <m:degHide m:val="on"/>
-                        <m:ctrlPr>
-                          <a:rPr lang="en-US" i="1">
-                            <a:latin typeface="Cambria Math" panose="02040503050406030204" pitchFamily="18" charset="0"/>
-                          </a:rPr>
-                        </m:ctrlPr>
-                      </m:radPr>
-                      <m:deg/>
-                      <m:e>
-                        <m:f>
-                          <m:fPr>
-                            <m:ctrlPr>
-                              <a:rPr lang="en-US" i="1">
-                                <a:latin typeface="Cambria Math" panose="02040503050406030204" pitchFamily="18" charset="0"/>
-                              </a:rPr>
-                            </m:ctrlPr>
-                          </m:fPr>
-                          <m:num>
-                            <m:nary>
-                              <m:naryPr>
-                                <m:chr m:val="∑"/>
-                                <m:limLoc m:val="undOvr"/>
-                                <m:subHide m:val="on"/>
-                                <m:supHide m:val="on"/>
-                                <m:ctrlPr>
-                                  <a:rPr lang="en-US" i="1">
-                                    <a:latin typeface="Cambria Math" panose="02040503050406030204" pitchFamily="18" charset="0"/>
-                                  </a:rPr>
-                                </m:ctrlPr>
-                              </m:naryPr>
-                              <m:sub/>
-                              <m:sup/>
-                              <m:e>
-                                <m:sSup>
-                                  <m:sSupPr>
-                                    <m:ctrlPr>
-                                      <a:rPr lang="en-US" i="1">
-                                        <a:latin typeface="Cambria Math" panose="02040503050406030204" pitchFamily="18" charset="0"/>
-                                      </a:rPr>
-                                    </m:ctrlPr>
-                                  </m:sSupPr>
-                                  <m:e>
-                                    <m:r>
-                                      <a:rPr lang="en-US">
-                                        <a:latin typeface="Cambria Math" panose="02040503050406030204" pitchFamily="18" charset="0"/>
-                                      </a:rPr>
-                                      <m:t>(</m:t>
-                                    </m:r>
-                                    <m:r>
-                                      <m:rPr>
-                                        <m:sty m:val="p"/>
-                                      </m:rPr>
-                                      <a:rPr lang="en-US">
-                                        <a:latin typeface="Cambria Math" panose="02040503050406030204" pitchFamily="18" charset="0"/>
-                                      </a:rPr>
-                                      <m:t>x</m:t>
-                                    </m:r>
-                                    <m:r>
-                                      <a:rPr lang="en-US">
-                                        <a:latin typeface="Cambria Math" panose="02040503050406030204" pitchFamily="18" charset="0"/>
-                                      </a:rPr>
-                                      <m:t>− </m:t>
-                                    </m:r>
-                                    <m:acc>
-                                      <m:accPr>
-                                        <m:chr m:val="̅"/>
-                                        <m:ctrlPr>
-                                          <a:rPr lang="en-US" i="1">
-                                            <a:latin typeface="Cambria Math" panose="02040503050406030204" pitchFamily="18" charset="0"/>
-                                          </a:rPr>
-                                        </m:ctrlPr>
-                                      </m:accPr>
-                                      <m:e>
-                                        <m:r>
-                                          <m:rPr>
-                                            <m:sty m:val="p"/>
-                                          </m:rPr>
-                                          <a:rPr lang="en-US">
-                                            <a:latin typeface="Cambria Math" panose="02040503050406030204" pitchFamily="18" charset="0"/>
-                                          </a:rPr>
-                                          <m:t>x</m:t>
-                                        </m:r>
-                                      </m:e>
-                                    </m:acc>
-                                    <m:r>
-                                      <a:rPr lang="en-US">
-                                        <a:latin typeface="Cambria Math" panose="02040503050406030204" pitchFamily="18" charset="0"/>
-                                      </a:rPr>
-                                      <m:t>)</m:t>
-                                    </m:r>
-                                  </m:e>
-                                  <m:sup>
-                                    <m:r>
-                                      <a:rPr lang="en-US">
-                                        <a:latin typeface="Cambria Math" panose="02040503050406030204" pitchFamily="18" charset="0"/>
-                                      </a:rPr>
-                                      <m:t>2</m:t>
-                                    </m:r>
-                                  </m:sup>
-                                </m:sSup>
-                                <m:r>
-                                  <a:rPr lang="en-US">
-                                    <a:latin typeface="Cambria Math" panose="02040503050406030204" pitchFamily="18" charset="0"/>
-                                  </a:rPr>
-                                  <m:t> </m:t>
-                                </m:r>
-                              </m:e>
-                            </m:nary>
-                          </m:num>
-                          <m:den>
-                            <m:r>
-                              <m:rPr>
-                                <m:sty m:val="p"/>
-                              </m:rPr>
-                              <a:rPr lang="en-US">
-                                <a:latin typeface="Cambria Math" panose="02040503050406030204" pitchFamily="18" charset="0"/>
-                              </a:rPr>
-                              <m:t>n</m:t>
-                            </m:r>
-                            <m:r>
-                              <a:rPr lang="en-US">
-                                <a:latin typeface="Cambria Math" panose="02040503050406030204" pitchFamily="18" charset="0"/>
-                              </a:rPr>
-                              <m:t>−1</m:t>
-                            </m:r>
-                          </m:den>
-                        </m:f>
-                      </m:e>
-                    </m:rad>
-                  </m:oMath>
-                </a14:m>
-                <a:endParaRPr lang="en-US" dirty="0"/>
-              </a:p>
-              <a:p>
-                <a:pPr lvl="1"/>
-                <a:endParaRPr lang="en-US" dirty="0"/>
-              </a:p>
-              <a:p>
-                <a:pPr lvl="3"/>
-                <a:endParaRPr lang="en-US" dirty="0"/>
-              </a:p>
-              <a:p>
-                <a:pPr marL="1371600" lvl="3" indent="0">
-                  <a:buNone/>
-                </a:pPr>
-                <a:endParaRPr lang="en-US" dirty="0"/>
-              </a:p>
-              <a:p>
-                <a:pPr lvl="2"/>
-                <a:endParaRPr lang="en-US" dirty="0"/>
-              </a:p>
-              <a:p>
-                <a:endParaRPr lang="en-US" dirty="0"/>
-              </a:p>
-            </p:txBody>
-          </p:sp>
-        </mc:Choice>
-        <mc:Fallback xmlns="">
-          <p:sp>
-            <p:nvSpPr>
-              <p:cNvPr id="3" name="Content Placeholder 2"/>
-              <p:cNvSpPr>
-                <a:spLocks noGrp="1" noRot="1" noChangeAspect="1" noMove="1" noResize="1" noEditPoints="1" noAdjustHandles="1" noChangeArrowheads="1" noChangeShapeType="1" noTextEdit="1"/>
-              </p:cNvSpPr>
-              <p:nvPr>
-                <p:ph idx="1"/>
-              </p:nvPr>
-            </p:nvSpPr>
-            <p:spPr>
-              <a:xfrm>
-                <a:off x="186613" y="1287624"/>
-                <a:ext cx="11167188" cy="4889339"/>
-              </a:xfrm>
-              <a:blipFill rotWithShape="0">
-                <a:blip r:embed="rId2"/>
-                <a:stretch>
-                  <a:fillRect l="-983" t="-1995"/>
-                </a:stretch>
-              </a:blipFill>
-            </p:spPr>
-            <p:txBody>
-              <a:bodyPr/>
-              <a:lstStyle/>
-              <a:p>
-                <a:r>
-                  <a:rPr lang="en-US">
-                    <a:noFill/>
-                  </a:rPr>
-                  <a:t> </a:t>
-                </a:r>
-              </a:p>
-            </p:txBody>
-          </p:sp>
-        </mc:Fallback>
-      </mc:AlternateContent>
+      <p:pic>
+        <p:nvPicPr>
+          <p:cNvPr id="5" name="Picture 4">
+            <a:extLst>
+              <a:ext uri="{FF2B5EF4-FFF2-40B4-BE49-F238E27FC236}">
+                <a16:creationId xmlns:a16="http://schemas.microsoft.com/office/drawing/2014/main" id="{88531AD1-82D4-4F7F-97C8-89ECD7D21A7D}"/>
+              </a:ext>
+            </a:extLst>
+          </p:cNvPr>
+          <p:cNvPicPr>
+            <a:picLocks noChangeAspect="1"/>
+          </p:cNvPicPr>
+          <p:nvPr/>
+        </p:nvPicPr>
+        <p:blipFill>
+          <a:blip r:embed="rId2"/>
+          <a:stretch>
+            <a:fillRect/>
+          </a:stretch>
+        </p:blipFill>
+        <p:spPr>
+          <a:xfrm>
+            <a:off x="0" y="0"/>
+            <a:ext cx="12218425" cy="6987822"/>
+          </a:xfrm>
+          <a:prstGeom prst="rect">
+            <a:avLst/>
+          </a:prstGeom>
+        </p:spPr>
+      </p:pic>
     </p:spTree>
     <p:extLst>
       <p:ext uri="{BB962C8B-B14F-4D97-AF65-F5344CB8AC3E}">
-        <p14:creationId xmlns:p14="http://schemas.microsoft.com/office/powerpoint/2010/main" val="2724528154"/>
+        <p14:creationId xmlns:p14="http://schemas.microsoft.com/office/powerpoint/2010/main" val="2772123843"/>
       </p:ext>
     </p:extLst>
   </p:cSld>
@@ -3745,847 +3188,299 @@
         </p:nvSpPr>
         <p:spPr>
           <a:xfrm>
-            <a:off x="139959" y="0"/>
-            <a:ext cx="11213841" cy="776288"/>
+            <a:off x="838200" y="365125"/>
+            <a:ext cx="10515600" cy="549275"/>
           </a:xfrm>
         </p:spPr>
         <p:txBody>
-          <a:bodyPr/>
-          <a:lstStyle/>
-          <a:p>
+          <a:bodyPr>
+            <a:normAutofit fontScale="90000"/>
+          </a:bodyPr>
+          <a:lstStyle/>
+          <a:p>
+            <a:r>
+              <a:rPr lang="en-US" u="sng" dirty="0">
+                <a:solidFill>
+                  <a:schemeClr val="tx1">
+                    <a:lumMod val="85000"/>
+                    <a:lumOff val="15000"/>
+                  </a:schemeClr>
+                </a:solidFill>
+              </a:rPr>
+              <a:t>Step 1:  Randomize the Order </a:t>
+            </a:r>
+          </a:p>
+        </p:txBody>
+      </p:sp>
+      <p:sp>
+        <p:nvSpPr>
+          <p:cNvPr id="3" name="Content Placeholder 2"/>
+          <p:cNvSpPr>
+            <a:spLocks noGrp="1"/>
+          </p:cNvSpPr>
+          <p:nvPr>
+            <p:ph idx="1"/>
+          </p:nvPr>
+        </p:nvSpPr>
+        <p:spPr>
+          <a:xfrm>
+            <a:off x="176463" y="1134208"/>
+            <a:ext cx="11177337" cy="5486400"/>
+          </a:xfrm>
+        </p:spPr>
+        <p:txBody>
+          <a:bodyPr>
+            <a:noAutofit/>
+          </a:bodyPr>
+          <a:lstStyle/>
+          <a:p>
+            <a:r>
+              <a:rPr lang="en-US" sz="2400" u="sng" dirty="0"/>
+              <a:t>Steps in </a:t>
+            </a:r>
+            <a:r>
+              <a:rPr lang="en-US" sz="2400" u="sng" dirty="0" err="1"/>
+              <a:t>StatCrunch</a:t>
+            </a:r>
+            <a:r>
+              <a:rPr lang="en-US" sz="2400" u="sng" dirty="0"/>
+              <a:t>: </a:t>
+            </a:r>
+            <a:r>
+              <a:rPr lang="en-US" dirty="0">
+                <a:hlinkClick r:id="rId2"/>
+              </a:rPr>
+              <a:t>https://www.statcrunch.com/</a:t>
+            </a:r>
+            <a:endParaRPr lang="en-US" dirty="0"/>
+          </a:p>
+          <a:p>
+            <a:endParaRPr lang="en-US" u="sng" dirty="0"/>
+          </a:p>
+          <a:p>
+            <a:pPr lvl="1"/>
             <a:r>
               <a:rPr lang="en-US" dirty="0"/>
-              <a:t>Concepts Needed for Lab 3</a:t>
-            </a:r>
-          </a:p>
-        </p:txBody>
-      </p:sp>
-      <mc:AlternateContent xmlns:mc="http://schemas.openxmlformats.org/markup-compatibility/2006" xmlns:a14="http://schemas.microsoft.com/office/drawing/2010/main">
-        <mc:Choice Requires="a14">
-          <p:sp>
-            <p:nvSpPr>
-              <p:cNvPr id="3" name="Content Placeholder 2"/>
-              <p:cNvSpPr>
-                <a:spLocks noGrp="1"/>
-              </p:cNvSpPr>
-              <p:nvPr>
-                <p:ph idx="1"/>
-              </p:nvPr>
-            </p:nvSpPr>
+              <a:t>In VAR1 column 1 =&gt; type FIRST 10 times (rows 1 to 10 should have FIRST ).  Type SECOND 10 times (rows 11 to 20 should have SECOND).  </a:t>
+            </a:r>
+          </a:p>
+          <a:p>
+            <a:pPr lvl="1"/>
+            <a:r>
+              <a:rPr lang="en-US" dirty="0"/>
+              <a:t>Data -&gt; Sample -&gt; </a:t>
+            </a:r>
+          </a:p>
+          <a:p>
+            <a:pPr lvl="2"/>
+            <a:r>
+              <a:rPr lang="en-US" dirty="0"/>
+              <a:t>Select columns:  </a:t>
+            </a:r>
+            <a:r>
+              <a:rPr lang="en-US" dirty="0" err="1"/>
+              <a:t>var</a:t>
+            </a:r>
+            <a:r>
+              <a:rPr lang="en-US" dirty="0"/>
+              <a:t> 1 </a:t>
+            </a:r>
+            <a:r>
+              <a:rPr lang="en-US" i="1" dirty="0"/>
+              <a:t>(the column you just created)</a:t>
+            </a:r>
+            <a:endParaRPr lang="en-US" dirty="0"/>
+          </a:p>
+          <a:p>
+            <a:pPr lvl="2"/>
+            <a:r>
+              <a:rPr lang="en-US" sz="2400" dirty="0"/>
+              <a:t>Sample size: 20</a:t>
+            </a:r>
+          </a:p>
+          <a:p>
+            <a:pPr lvl="2"/>
+            <a:r>
+              <a:rPr lang="en-US" sz="2400" dirty="0"/>
+              <a:t>Make sure you </a:t>
+            </a:r>
+            <a:r>
+              <a:rPr lang="en-US" sz="2400" b="1" dirty="0"/>
+              <a:t>do not</a:t>
+            </a:r>
+            <a:r>
+              <a:rPr lang="en-US" sz="2400" dirty="0"/>
+              <a:t> select “Sample with replacement”</a:t>
+            </a:r>
+          </a:p>
+          <a:p>
+            <a:pPr lvl="2"/>
+            <a:r>
+              <a:rPr lang="en-US" sz="2400" dirty="0"/>
+              <a:t>Click Compute</a:t>
+            </a:r>
+          </a:p>
+          <a:p>
+            <a:pPr marL="914400" lvl="2" indent="0">
+              <a:buNone/>
+            </a:pPr>
+            <a:endParaRPr lang="en-US" sz="2400" dirty="0"/>
+          </a:p>
+          <a:p>
+            <a:pPr lvl="2">
+              <a:buFont typeface="Wingdings" pitchFamily="2" charset="2"/>
+              <a:buChar char="ü"/>
+            </a:pPr>
+            <a:r>
+              <a:rPr lang="en-US" sz="2400" dirty="0">
+                <a:solidFill>
+                  <a:srgbClr val="FF0000"/>
+                </a:solidFill>
+              </a:rPr>
+              <a:t>Fill in the 3</a:t>
+            </a:r>
+            <a:r>
+              <a:rPr lang="en-US" sz="2400" baseline="30000" dirty="0">
+                <a:solidFill>
+                  <a:srgbClr val="FF0000"/>
+                </a:solidFill>
+              </a:rPr>
+              <a:t>rd</a:t>
+            </a:r>
+            <a:r>
+              <a:rPr lang="en-US" sz="2400" dirty="0">
+                <a:solidFill>
+                  <a:srgbClr val="FF0000"/>
+                </a:solidFill>
+              </a:rPr>
+              <a:t> column called “Random Number Sorted” of the Table 3.</a:t>
+            </a:r>
+            <a:r>
+              <a:rPr lang="en-US" altLang="zh-CN" sz="2400" dirty="0">
+                <a:solidFill>
+                  <a:srgbClr val="FF0000"/>
+                </a:solidFill>
+              </a:rPr>
+              <a:t>2</a:t>
+            </a:r>
+            <a:r>
+              <a:rPr lang="en-US" sz="2400" dirty="0">
+                <a:solidFill>
+                  <a:srgbClr val="FF0000"/>
+                </a:solidFill>
+              </a:rPr>
+              <a:t>.</a:t>
+            </a:r>
+          </a:p>
+          <a:p>
+            <a:pPr marL="914400" lvl="2" indent="0">
+              <a:buNone/>
+            </a:pPr>
+            <a:endParaRPr lang="en-US" sz="2400" dirty="0"/>
+          </a:p>
+          <a:p>
+            <a:pPr lvl="2">
+              <a:buFont typeface="Wingdings" pitchFamily="2" charset="2"/>
+              <a:buChar char="ü"/>
+            </a:pPr>
+            <a:r>
+              <a:rPr lang="en-US" sz="2400" dirty="0">
+                <a:solidFill>
+                  <a:srgbClr val="FF0000"/>
+                </a:solidFill>
+              </a:rPr>
+              <a:t>Fill in the 2</a:t>
+            </a:r>
+            <a:r>
+              <a:rPr lang="en-US" sz="2400" baseline="30000" dirty="0">
+                <a:solidFill>
+                  <a:srgbClr val="FF0000"/>
+                </a:solidFill>
+              </a:rPr>
+              <a:t>nd</a:t>
+            </a:r>
+            <a:r>
+              <a:rPr lang="en-US" sz="2400" dirty="0">
+                <a:solidFill>
+                  <a:srgbClr val="FF0000"/>
+                </a:solidFill>
+              </a:rPr>
+              <a:t> column called “Variable” of the Table 3.</a:t>
+            </a:r>
+            <a:r>
+              <a:rPr lang="en-US" altLang="zh-CN" sz="2400" dirty="0">
+                <a:solidFill>
+                  <a:srgbClr val="FF0000"/>
+                </a:solidFill>
+              </a:rPr>
+              <a:t>3</a:t>
+            </a:r>
+            <a:r>
+              <a:rPr lang="en-US" sz="2400" dirty="0">
+                <a:solidFill>
+                  <a:srgbClr val="FF0000"/>
+                </a:solidFill>
+              </a:rPr>
+              <a:t>.</a:t>
+            </a:r>
+          </a:p>
+        </p:txBody>
+      </p:sp>
+      <mc:AlternateContent xmlns:mc="http://schemas.openxmlformats.org/markup-compatibility/2006" xmlns:p14="http://schemas.microsoft.com/office/powerpoint/2010/main">
+        <mc:Choice Requires="p14">
+          <p:contentPart p14:bwMode="auto" r:id="rId3">
+            <p14:nvContentPartPr>
+              <p14:cNvPr id="4" name="Ink 3">
+                <a:extLst>
+                  <a:ext uri="{FF2B5EF4-FFF2-40B4-BE49-F238E27FC236}">
+                    <a16:creationId xmlns:a16="http://schemas.microsoft.com/office/drawing/2014/main" id="{727A7447-EF84-AA4A-B1C8-BE9DEF985495}"/>
+                  </a:ext>
+                </a:extLst>
+              </p14:cNvPr>
+              <p14:cNvContentPartPr/>
+              <p14:nvPr/>
+            </p14:nvContentPartPr>
+            <p14:xfrm>
+              <a:off x="584900" y="579040"/>
+              <a:ext cx="360" cy="360"/>
+            </p14:xfrm>
+          </p:contentPart>
+        </mc:Choice>
+        <mc:Fallback xmlns="">
+          <p:pic>
+            <p:nvPicPr>
+              <p:cNvPr id="4" name="Ink 3">
+                <a:extLst>
+                  <a:ext uri="{FF2B5EF4-FFF2-40B4-BE49-F238E27FC236}">
+                    <a16:creationId xmlns:a16="http://schemas.microsoft.com/office/drawing/2014/main" id="{727A7447-EF84-AA4A-B1C8-BE9DEF985495}"/>
+                  </a:ext>
+                </a:extLst>
+              </p:cNvPr>
+              <p:cNvPicPr/>
+              <p:nvPr/>
+            </p:nvPicPr>
+            <p:blipFill>
+              <a:blip r:embed="rId4"/>
+              <a:stretch>
+                <a:fillRect/>
+              </a:stretch>
+            </p:blipFill>
             <p:spPr>
               <a:xfrm>
-                <a:off x="279918" y="933061"/>
-                <a:ext cx="11073882" cy="5243902"/>
-              </a:xfrm>
-            </p:spPr>
-            <p:txBody>
-              <a:bodyPr/>
-              <a:lstStyle/>
-              <a:p>
-                <a:r>
-                  <a:rPr lang="en-US" dirty="0"/>
-                  <a:t>Measures of Position:</a:t>
-                </a:r>
-              </a:p>
-              <a:p>
-                <a:pPr lvl="1"/>
-                <a:r>
-                  <a:rPr lang="en-US" dirty="0"/>
-                  <a:t>Five Number Summary:</a:t>
-                </a:r>
-              </a:p>
-              <a:p>
-                <a:pPr lvl="2"/>
-                <a:r>
-                  <a:rPr lang="en-US" dirty="0"/>
-                  <a:t>Min = smallest number.</a:t>
-                </a:r>
-              </a:p>
-              <a:p>
-                <a:pPr lvl="2"/>
-                <a14:m>
-                  <m:oMath xmlns:m="http://schemas.openxmlformats.org/officeDocument/2006/math">
-                    <m:sSub>
-                      <m:sSubPr>
-                        <m:ctrlPr>
-                          <a:rPr lang="en-US" i="1">
-                            <a:latin typeface="Cambria Math" panose="02040503050406030204" pitchFamily="18" charset="0"/>
-                          </a:rPr>
-                        </m:ctrlPr>
-                      </m:sSubPr>
-                      <m:e>
-                        <m:r>
-                          <a:rPr lang="en-US" i="1">
-                            <a:latin typeface="Cambria Math" panose="02040503050406030204" pitchFamily="18" charset="0"/>
-                          </a:rPr>
-                          <m:t>𝑄</m:t>
-                        </m:r>
-                      </m:e>
-                      <m:sub>
-                        <m:r>
-                          <a:rPr lang="en-US" i="1">
-                            <a:latin typeface="Cambria Math" panose="02040503050406030204" pitchFamily="18" charset="0"/>
-                          </a:rPr>
-                          <m:t>1</m:t>
-                        </m:r>
-                      </m:sub>
-                    </m:sSub>
-                  </m:oMath>
-                </a14:m>
-                <a:r>
-                  <a:rPr lang="en-US" dirty="0"/>
-                  <a:t>= 1</a:t>
-                </a:r>
-                <a:r>
-                  <a:rPr lang="en-US" baseline="30000" dirty="0"/>
-                  <a:t>st</a:t>
-                </a:r>
-                <a:r>
-                  <a:rPr lang="en-US" dirty="0"/>
-                  <a:t> quartile.  The value such that 25% of the data is below it and 75% of the data is above it.  (find the middle number of the first half of the ordered dataset)</a:t>
-                </a:r>
-              </a:p>
-              <a:p>
-                <a:pPr lvl="2"/>
-                <a14:m>
-                  <m:oMath xmlns:m="http://schemas.openxmlformats.org/officeDocument/2006/math">
-                    <m:sSub>
-                      <m:sSubPr>
-                        <m:ctrlPr>
-                          <a:rPr lang="en-US" i="1">
-                            <a:latin typeface="Cambria Math" panose="02040503050406030204" pitchFamily="18" charset="0"/>
-                          </a:rPr>
-                        </m:ctrlPr>
-                      </m:sSubPr>
-                      <m:e>
-                        <m:r>
-                          <a:rPr lang="en-US" i="1">
-                            <a:latin typeface="Cambria Math" panose="02040503050406030204" pitchFamily="18" charset="0"/>
-                          </a:rPr>
-                          <m:t>𝑄</m:t>
-                        </m:r>
-                      </m:e>
-                      <m:sub>
-                        <m:r>
-                          <a:rPr lang="en-US" i="1">
-                            <a:latin typeface="Cambria Math" panose="02040503050406030204" pitchFamily="18" charset="0"/>
-                          </a:rPr>
-                          <m:t>2</m:t>
-                        </m:r>
-                      </m:sub>
-                    </m:sSub>
-                  </m:oMath>
-                </a14:m>
-                <a:r>
-                  <a:rPr lang="en-US" dirty="0"/>
-                  <a:t>= 2</a:t>
-                </a:r>
-                <a:r>
-                  <a:rPr lang="en-US" baseline="30000" dirty="0"/>
-                  <a:t>nd</a:t>
-                </a:r>
-                <a:r>
-                  <a:rPr lang="en-US" dirty="0"/>
-                  <a:t> quartile = median.  The value such that 50% of the data is below it and 50% of the data is above it.  (find the middle number in the ordered dataset.)</a:t>
-                </a:r>
-              </a:p>
-              <a:p>
-                <a:pPr lvl="2"/>
-                <a14:m>
-                  <m:oMath xmlns:m="http://schemas.openxmlformats.org/officeDocument/2006/math">
-                    <m:sSub>
-                      <m:sSubPr>
-                        <m:ctrlPr>
-                          <a:rPr lang="en-US" i="1">
-                            <a:latin typeface="Cambria Math" panose="02040503050406030204" pitchFamily="18" charset="0"/>
-                          </a:rPr>
-                        </m:ctrlPr>
-                      </m:sSubPr>
-                      <m:e>
-                        <m:r>
-                          <a:rPr lang="en-US" i="1">
-                            <a:latin typeface="Cambria Math" panose="02040503050406030204" pitchFamily="18" charset="0"/>
-                          </a:rPr>
-                          <m:t>𝑄</m:t>
-                        </m:r>
-                      </m:e>
-                      <m:sub>
-                        <m:r>
-                          <a:rPr lang="en-US" i="1">
-                            <a:latin typeface="Cambria Math" panose="02040503050406030204" pitchFamily="18" charset="0"/>
-                          </a:rPr>
-                          <m:t>3</m:t>
-                        </m:r>
-                      </m:sub>
-                    </m:sSub>
-                  </m:oMath>
-                </a14:m>
-                <a:r>
-                  <a:rPr lang="en-US" dirty="0"/>
-                  <a:t>= 3</a:t>
-                </a:r>
-                <a:r>
-                  <a:rPr lang="en-US" baseline="30000" dirty="0"/>
-                  <a:t>rd</a:t>
-                </a:r>
-                <a:r>
-                  <a:rPr lang="en-US" dirty="0"/>
-                  <a:t> quartile.  The value such that 75% of the data is below it and 25% of the data is above it.  (find the middle number of the second half of the ordered dataset).</a:t>
-                </a:r>
-              </a:p>
-              <a:p>
-                <a:pPr lvl="2"/>
-                <a:r>
-                  <a:rPr lang="en-US" dirty="0"/>
-                  <a:t>Max = largest number.</a:t>
-                </a:r>
-              </a:p>
-              <a:p>
-                <a:pPr lvl="1"/>
-                <a:r>
-                  <a:rPr lang="en-US" dirty="0"/>
-                  <a:t>Boxplot:</a:t>
-                </a:r>
-              </a:p>
-              <a:p>
-                <a:pPr lvl="2"/>
-                <a:endParaRPr lang="en-US" dirty="0"/>
-              </a:p>
-              <a:p>
-                <a:pPr lvl="2"/>
-                <a:endParaRPr lang="en-US" dirty="0"/>
-              </a:p>
-              <a:p>
-                <a:pPr lvl="2"/>
-                <a:endParaRPr lang="en-US" dirty="0"/>
-              </a:p>
-            </p:txBody>
-          </p:sp>
-        </mc:Choice>
-        <mc:Fallback xmlns="">
-          <p:sp>
-            <p:nvSpPr>
-              <p:cNvPr id="3" name="Content Placeholder 2"/>
-              <p:cNvSpPr>
-                <a:spLocks noGrp="1" noRot="1" noChangeAspect="1" noMove="1" noResize="1" noEditPoints="1" noAdjustHandles="1" noChangeArrowheads="1" noChangeShapeType="1" noTextEdit="1"/>
-              </p:cNvSpPr>
-              <p:nvPr>
-                <p:ph idx="1"/>
-              </p:nvPr>
-            </p:nvSpPr>
-            <p:spPr>
-              <a:xfrm>
-                <a:off x="279918" y="933061"/>
-                <a:ext cx="11073882" cy="5243902"/>
-              </a:xfrm>
-              <a:blipFill rotWithShape="0">
-                <a:blip r:embed="rId2"/>
-                <a:stretch>
-                  <a:fillRect l="-991" t="-1860"/>
-                </a:stretch>
-              </a:blipFill>
-            </p:spPr>
-            <p:txBody>
-              <a:bodyPr/>
-              <a:lstStyle/>
-              <a:p>
-                <a:r>
-                  <a:rPr lang="en-US">
-                    <a:noFill/>
-                  </a:rPr>
-                  <a:t> </a:t>
-                </a:r>
-              </a:p>
-            </p:txBody>
-          </p:sp>
-        </mc:Fallback>
-      </mc:AlternateContent>
-      <p:pic>
-        <p:nvPicPr>
-          <p:cNvPr id="4" name="Picture 3"/>
-          <p:cNvPicPr>
-            <a:picLocks noChangeAspect="1"/>
-          </p:cNvPicPr>
-          <p:nvPr/>
-        </p:nvPicPr>
-        <p:blipFill>
-          <a:blip r:embed="rId3"/>
-          <a:stretch>
-            <a:fillRect/>
-          </a:stretch>
-        </p:blipFill>
-        <p:spPr>
-          <a:xfrm>
-            <a:off x="2901042" y="4245040"/>
-            <a:ext cx="6781800" cy="1409700"/>
-          </a:xfrm>
-          <a:prstGeom prst="rect">
-            <a:avLst/>
-          </a:prstGeom>
-        </p:spPr>
-      </p:pic>
-      <p:sp>
-        <p:nvSpPr>
-          <p:cNvPr id="5" name="TextBox 4"/>
-          <p:cNvSpPr txBox="1"/>
-          <p:nvPr/>
-        </p:nvSpPr>
-        <p:spPr>
-          <a:xfrm>
-            <a:off x="2797240" y="5769408"/>
-            <a:ext cx="1371600" cy="369332"/>
-          </a:xfrm>
-          <a:prstGeom prst="rect">
-            <a:avLst/>
-          </a:prstGeom>
-          <a:noFill/>
-        </p:spPr>
-        <p:txBody>
-          <a:bodyPr wrap="square" rtlCol="0">
-            <a:spAutoFit/>
-          </a:bodyPr>
-          <a:lstStyle/>
-          <a:p>
-            <a:r>
-              <a:rPr lang="en-US" dirty="0"/>
-              <a:t>Min	</a:t>
-            </a:r>
-          </a:p>
-        </p:txBody>
-      </p:sp>
-      <mc:AlternateContent xmlns:mc="http://schemas.openxmlformats.org/markup-compatibility/2006" xmlns:a14="http://schemas.microsoft.com/office/drawing/2010/main">
-        <mc:Choice Requires="a14">
-          <p:sp>
-            <p:nvSpPr>
-              <p:cNvPr id="6" name="TextBox 5"/>
-              <p:cNvSpPr txBox="1"/>
-              <p:nvPr/>
-            </p:nvSpPr>
-            <p:spPr>
-              <a:xfrm>
-                <a:off x="4411240" y="5719665"/>
-                <a:ext cx="1371600" cy="369332"/>
+                <a:off x="576260" y="570400"/>
+                <a:ext cx="18000" cy="18000"/>
               </a:xfrm>
               <a:prstGeom prst="rect">
                 <a:avLst/>
               </a:prstGeom>
-              <a:noFill/>
             </p:spPr>
-            <p:txBody>
-              <a:bodyPr wrap="square" rtlCol="0">
-                <a:spAutoFit/>
-              </a:bodyPr>
-              <a:lstStyle/>
-              <a:p>
-                <a14:m>
-                  <m:oMath xmlns:m="http://schemas.openxmlformats.org/officeDocument/2006/math">
-                    <m:sSub>
-                      <m:sSubPr>
-                        <m:ctrlPr>
-                          <a:rPr lang="en-US" i="1" smtClean="0">
-                            <a:latin typeface="Cambria Math" panose="02040503050406030204" pitchFamily="18" charset="0"/>
-                          </a:rPr>
-                        </m:ctrlPr>
-                      </m:sSubPr>
-                      <m:e>
-                        <m:r>
-                          <a:rPr lang="en-US" i="1">
-                            <a:latin typeface="Cambria Math" panose="02040503050406030204" pitchFamily="18" charset="0"/>
-                          </a:rPr>
-                          <m:t>𝑄</m:t>
-                        </m:r>
-                      </m:e>
-                      <m:sub>
-                        <m:r>
-                          <a:rPr lang="en-US" b="0" i="1" smtClean="0">
-                            <a:latin typeface="Cambria Math" panose="02040503050406030204" pitchFamily="18" charset="0"/>
-                          </a:rPr>
-                          <m:t>1</m:t>
-                        </m:r>
-                      </m:sub>
-                    </m:sSub>
-                  </m:oMath>
-                </a14:m>
-                <a:r>
-                  <a:rPr lang="en-US" dirty="0"/>
-                  <a:t>	</a:t>
-                </a:r>
-              </a:p>
-            </p:txBody>
-          </p:sp>
-        </mc:Choice>
-        <mc:Fallback xmlns="">
-          <p:sp>
-            <p:nvSpPr>
-              <p:cNvPr id="6" name="TextBox 5"/>
-              <p:cNvSpPr txBox="1">
-                <a:spLocks noRot="1" noChangeAspect="1" noMove="1" noResize="1" noEditPoints="1" noAdjustHandles="1" noChangeArrowheads="1" noChangeShapeType="1" noTextEdit="1"/>
-              </p:cNvSpPr>
-              <p:nvPr/>
-            </p:nvSpPr>
-            <p:spPr>
-              <a:xfrm>
-                <a:off x="4411240" y="5719665"/>
-                <a:ext cx="1371600" cy="369332"/>
-              </a:xfrm>
-              <a:prstGeom prst="rect">
-                <a:avLst/>
-              </a:prstGeom>
-              <a:blipFill rotWithShape="0">
-                <a:blip r:embed="rId4"/>
-                <a:stretch>
-                  <a:fillRect l="-889" b="-9836"/>
-                </a:stretch>
-              </a:blipFill>
-            </p:spPr>
-            <p:txBody>
-              <a:bodyPr/>
-              <a:lstStyle/>
-              <a:p>
-                <a:r>
-                  <a:rPr lang="en-US">
-                    <a:noFill/>
-                  </a:rPr>
-                  <a:t> </a:t>
-                </a:r>
-              </a:p>
-            </p:txBody>
-          </p:sp>
+          </p:pic>
         </mc:Fallback>
       </mc:AlternateContent>
-      <mc:AlternateContent xmlns:mc="http://schemas.openxmlformats.org/markup-compatibility/2006" xmlns:a14="http://schemas.microsoft.com/office/drawing/2010/main">
-        <mc:Choice Requires="a14">
-          <p:sp>
-            <p:nvSpPr>
-              <p:cNvPr id="7" name="TextBox 6"/>
-              <p:cNvSpPr txBox="1"/>
-              <p:nvPr/>
-            </p:nvSpPr>
-            <p:spPr>
-              <a:xfrm>
-                <a:off x="5932130" y="5712074"/>
-                <a:ext cx="1371600" cy="369332"/>
-              </a:xfrm>
-              <a:prstGeom prst="rect">
-                <a:avLst/>
-              </a:prstGeom>
-              <a:noFill/>
-            </p:spPr>
-            <p:txBody>
-              <a:bodyPr wrap="square" rtlCol="0">
-                <a:spAutoFit/>
-              </a:bodyPr>
-              <a:lstStyle/>
-              <a:p>
-                <a14:m>
-                  <m:oMath xmlns:m="http://schemas.openxmlformats.org/officeDocument/2006/math">
-                    <m:sSub>
-                      <m:sSubPr>
-                        <m:ctrlPr>
-                          <a:rPr lang="en-US" i="1" smtClean="0">
-                            <a:latin typeface="Cambria Math" panose="02040503050406030204" pitchFamily="18" charset="0"/>
-                          </a:rPr>
-                        </m:ctrlPr>
-                      </m:sSubPr>
-                      <m:e>
-                        <m:r>
-                          <a:rPr lang="en-US" i="1">
-                            <a:latin typeface="Cambria Math" panose="02040503050406030204" pitchFamily="18" charset="0"/>
-                          </a:rPr>
-                          <m:t>𝑄</m:t>
-                        </m:r>
-                      </m:e>
-                      <m:sub>
-                        <m:r>
-                          <a:rPr lang="en-US" b="0" i="1" smtClean="0">
-                            <a:latin typeface="Cambria Math" panose="02040503050406030204" pitchFamily="18" charset="0"/>
-                          </a:rPr>
-                          <m:t>2</m:t>
-                        </m:r>
-                      </m:sub>
-                    </m:sSub>
-                  </m:oMath>
-                </a14:m>
-                <a:r>
-                  <a:rPr lang="en-US" dirty="0"/>
-                  <a:t>	</a:t>
-                </a:r>
-              </a:p>
-            </p:txBody>
-          </p:sp>
-        </mc:Choice>
-        <mc:Fallback xmlns="">
-          <p:sp>
-            <p:nvSpPr>
-              <p:cNvPr id="7" name="TextBox 6"/>
-              <p:cNvSpPr txBox="1">
-                <a:spLocks noRot="1" noChangeAspect="1" noMove="1" noResize="1" noEditPoints="1" noAdjustHandles="1" noChangeArrowheads="1" noChangeShapeType="1" noTextEdit="1"/>
-              </p:cNvSpPr>
-              <p:nvPr/>
-            </p:nvSpPr>
-            <p:spPr>
-              <a:xfrm>
-                <a:off x="5932130" y="5712074"/>
-                <a:ext cx="1371600" cy="369332"/>
-              </a:xfrm>
-              <a:prstGeom prst="rect">
-                <a:avLst/>
-              </a:prstGeom>
-              <a:blipFill rotWithShape="0">
-                <a:blip r:embed="rId5"/>
-                <a:stretch>
-                  <a:fillRect l="-889" b="-9836"/>
-                </a:stretch>
-              </a:blipFill>
-            </p:spPr>
-            <p:txBody>
-              <a:bodyPr/>
-              <a:lstStyle/>
-              <a:p>
-                <a:r>
-                  <a:rPr lang="en-US">
-                    <a:noFill/>
-                  </a:rPr>
-                  <a:t> </a:t>
-                </a:r>
-              </a:p>
-            </p:txBody>
-          </p:sp>
-        </mc:Fallback>
-      </mc:AlternateContent>
-      <p:sp>
-        <p:nvSpPr>
-          <p:cNvPr id="8" name="TextBox 7"/>
-          <p:cNvSpPr txBox="1"/>
-          <p:nvPr/>
-        </p:nvSpPr>
-        <p:spPr>
-          <a:xfrm>
-            <a:off x="8914426" y="5712074"/>
-            <a:ext cx="1371600" cy="369332"/>
-          </a:xfrm>
-          <a:prstGeom prst="rect">
-            <a:avLst/>
-          </a:prstGeom>
-          <a:noFill/>
-        </p:spPr>
-        <p:txBody>
-          <a:bodyPr wrap="square" rtlCol="0">
-            <a:spAutoFit/>
-          </a:bodyPr>
-          <a:lstStyle/>
-          <a:p>
-            <a:r>
-              <a:rPr lang="en-US" dirty="0"/>
-              <a:t>Max	</a:t>
-            </a:r>
-          </a:p>
-        </p:txBody>
-      </p:sp>
-      <mc:AlternateContent xmlns:mc="http://schemas.openxmlformats.org/markup-compatibility/2006" xmlns:a14="http://schemas.microsoft.com/office/drawing/2010/main">
-        <mc:Choice Requires="a14">
-          <p:sp>
-            <p:nvSpPr>
-              <p:cNvPr id="9" name="TextBox 8"/>
-              <p:cNvSpPr txBox="1"/>
-              <p:nvPr/>
-            </p:nvSpPr>
-            <p:spPr>
-              <a:xfrm>
-                <a:off x="7423278" y="5719665"/>
-                <a:ext cx="1371600" cy="369332"/>
-              </a:xfrm>
-              <a:prstGeom prst="rect">
-                <a:avLst/>
-              </a:prstGeom>
-              <a:noFill/>
-            </p:spPr>
-            <p:txBody>
-              <a:bodyPr wrap="square" rtlCol="0">
-                <a:spAutoFit/>
-              </a:bodyPr>
-              <a:lstStyle/>
-              <a:p>
-                <a14:m>
-                  <m:oMath xmlns:m="http://schemas.openxmlformats.org/officeDocument/2006/math">
-                    <m:sSub>
-                      <m:sSubPr>
-                        <m:ctrlPr>
-                          <a:rPr lang="en-US" i="1">
-                            <a:latin typeface="Cambria Math" panose="02040503050406030204" pitchFamily="18" charset="0"/>
-                          </a:rPr>
-                        </m:ctrlPr>
-                      </m:sSubPr>
-                      <m:e>
-                        <m:r>
-                          <a:rPr lang="en-US" i="1">
-                            <a:latin typeface="Cambria Math" panose="02040503050406030204" pitchFamily="18" charset="0"/>
-                          </a:rPr>
-                          <m:t>𝑄</m:t>
-                        </m:r>
-                      </m:e>
-                      <m:sub>
-                        <m:r>
-                          <a:rPr lang="en-US" i="1">
-                            <a:latin typeface="Cambria Math" panose="02040503050406030204" pitchFamily="18" charset="0"/>
-                          </a:rPr>
-                          <m:t>3</m:t>
-                        </m:r>
-                      </m:sub>
-                    </m:sSub>
-                  </m:oMath>
-                </a14:m>
-                <a:r>
-                  <a:rPr lang="en-US" dirty="0"/>
-                  <a:t>	</a:t>
-                </a:r>
-              </a:p>
-            </p:txBody>
-          </p:sp>
-        </mc:Choice>
-        <mc:Fallback xmlns="">
-          <p:sp>
-            <p:nvSpPr>
-              <p:cNvPr id="9" name="TextBox 8"/>
-              <p:cNvSpPr txBox="1">
-                <a:spLocks noRot="1" noChangeAspect="1" noMove="1" noResize="1" noEditPoints="1" noAdjustHandles="1" noChangeArrowheads="1" noChangeShapeType="1" noTextEdit="1"/>
-              </p:cNvSpPr>
-              <p:nvPr/>
-            </p:nvSpPr>
-            <p:spPr>
-              <a:xfrm>
-                <a:off x="7423278" y="5719665"/>
-                <a:ext cx="1371600" cy="369332"/>
-              </a:xfrm>
-              <a:prstGeom prst="rect">
-                <a:avLst/>
-              </a:prstGeom>
-              <a:blipFill rotWithShape="0">
-                <a:blip r:embed="rId6"/>
-                <a:stretch>
-                  <a:fillRect l="-889" b="-9836"/>
-                </a:stretch>
-              </a:blipFill>
-            </p:spPr>
-            <p:txBody>
-              <a:bodyPr/>
-              <a:lstStyle/>
-              <a:p>
-                <a:r>
-                  <a:rPr lang="en-US">
-                    <a:noFill/>
-                  </a:rPr>
-                  <a:t> </a:t>
-                </a:r>
-              </a:p>
-            </p:txBody>
-          </p:sp>
-        </mc:Fallback>
-      </mc:AlternateContent>
-      <p:sp>
-        <p:nvSpPr>
-          <p:cNvPr id="10" name="Down Arrow 9"/>
-          <p:cNvSpPr/>
-          <p:nvPr/>
-        </p:nvSpPr>
-        <p:spPr>
-          <a:xfrm>
-            <a:off x="2901042" y="5561045"/>
-            <a:ext cx="271366" cy="170140"/>
-          </a:xfrm>
-          <a:prstGeom prst="downArrow">
-            <a:avLst/>
-          </a:prstGeom>
-        </p:spPr>
-        <p:style>
-          <a:lnRef idx="2">
-            <a:schemeClr val="accent1">
-              <a:shade val="50000"/>
-            </a:schemeClr>
-          </a:lnRef>
-          <a:fillRef idx="1">
-            <a:schemeClr val="accent1"/>
-          </a:fillRef>
-          <a:effectRef idx="0">
-            <a:schemeClr val="accent1"/>
-          </a:effectRef>
-          <a:fontRef idx="minor">
-            <a:schemeClr val="lt1"/>
-          </a:fontRef>
-        </p:style>
-        <p:txBody>
-          <a:bodyPr rtlCol="0" anchor="ctr"/>
-          <a:lstStyle/>
-          <a:p>
-            <a:pPr algn="ctr"/>
-            <a:endParaRPr lang="en-US"/>
-          </a:p>
-        </p:txBody>
-      </p:sp>
-      <p:sp>
-        <p:nvSpPr>
-          <p:cNvPr id="11" name="Down Arrow 10"/>
-          <p:cNvSpPr/>
-          <p:nvPr/>
-        </p:nvSpPr>
-        <p:spPr>
-          <a:xfrm>
-            <a:off x="4462364" y="5541934"/>
-            <a:ext cx="271366" cy="170140"/>
-          </a:xfrm>
-          <a:prstGeom prst="downArrow">
-            <a:avLst/>
-          </a:prstGeom>
-        </p:spPr>
-        <p:style>
-          <a:lnRef idx="2">
-            <a:schemeClr val="accent1">
-              <a:shade val="50000"/>
-            </a:schemeClr>
-          </a:lnRef>
-          <a:fillRef idx="1">
-            <a:schemeClr val="accent1"/>
-          </a:fillRef>
-          <a:effectRef idx="0">
-            <a:schemeClr val="accent1"/>
-          </a:effectRef>
-          <a:fontRef idx="minor">
-            <a:schemeClr val="lt1"/>
-          </a:fontRef>
-        </p:style>
-        <p:txBody>
-          <a:bodyPr rtlCol="0" anchor="ctr"/>
-          <a:lstStyle/>
-          <a:p>
-            <a:pPr algn="ctr"/>
-            <a:endParaRPr lang="en-US"/>
-          </a:p>
-        </p:txBody>
-      </p:sp>
-      <p:sp>
-        <p:nvSpPr>
-          <p:cNvPr id="12" name="Down Arrow 11"/>
-          <p:cNvSpPr/>
-          <p:nvPr/>
-        </p:nvSpPr>
-        <p:spPr>
-          <a:xfrm>
-            <a:off x="6020576" y="5541934"/>
-            <a:ext cx="271366" cy="170140"/>
-          </a:xfrm>
-          <a:prstGeom prst="downArrow">
-            <a:avLst/>
-          </a:prstGeom>
-        </p:spPr>
-        <p:style>
-          <a:lnRef idx="2">
-            <a:schemeClr val="accent1">
-              <a:shade val="50000"/>
-            </a:schemeClr>
-          </a:lnRef>
-          <a:fillRef idx="1">
-            <a:schemeClr val="accent1"/>
-          </a:fillRef>
-          <a:effectRef idx="0">
-            <a:schemeClr val="accent1"/>
-          </a:effectRef>
-          <a:fontRef idx="minor">
-            <a:schemeClr val="lt1"/>
-          </a:fontRef>
-        </p:style>
-        <p:txBody>
-          <a:bodyPr rtlCol="0" anchor="ctr"/>
-          <a:lstStyle/>
-          <a:p>
-            <a:pPr algn="ctr"/>
-            <a:endParaRPr lang="en-US"/>
-          </a:p>
-        </p:txBody>
-      </p:sp>
-      <p:sp>
-        <p:nvSpPr>
-          <p:cNvPr id="13" name="Down Arrow 12"/>
-          <p:cNvSpPr/>
-          <p:nvPr/>
-        </p:nvSpPr>
-        <p:spPr>
-          <a:xfrm>
-            <a:off x="7443105" y="5526362"/>
-            <a:ext cx="271366" cy="170140"/>
-          </a:xfrm>
-          <a:prstGeom prst="downArrow">
-            <a:avLst/>
-          </a:prstGeom>
-        </p:spPr>
-        <p:style>
-          <a:lnRef idx="2">
-            <a:schemeClr val="accent1">
-              <a:shade val="50000"/>
-            </a:schemeClr>
-          </a:lnRef>
-          <a:fillRef idx="1">
-            <a:schemeClr val="accent1"/>
-          </a:fillRef>
-          <a:effectRef idx="0">
-            <a:schemeClr val="accent1"/>
-          </a:effectRef>
-          <a:fontRef idx="minor">
-            <a:schemeClr val="lt1"/>
-          </a:fontRef>
-        </p:style>
-        <p:txBody>
-          <a:bodyPr rtlCol="0" anchor="ctr"/>
-          <a:lstStyle/>
-          <a:p>
-            <a:pPr algn="ctr"/>
-            <a:endParaRPr lang="en-US"/>
-          </a:p>
-        </p:txBody>
-      </p:sp>
-      <p:sp>
-        <p:nvSpPr>
-          <p:cNvPr id="14" name="Down Arrow 13"/>
-          <p:cNvSpPr/>
-          <p:nvPr/>
-        </p:nvSpPr>
-        <p:spPr>
-          <a:xfrm>
-            <a:off x="9097732" y="5522823"/>
-            <a:ext cx="271366" cy="170140"/>
-          </a:xfrm>
-          <a:prstGeom prst="downArrow">
-            <a:avLst/>
-          </a:prstGeom>
-        </p:spPr>
-        <p:style>
-          <a:lnRef idx="2">
-            <a:schemeClr val="accent1">
-              <a:shade val="50000"/>
-            </a:schemeClr>
-          </a:lnRef>
-          <a:fillRef idx="1">
-            <a:schemeClr val="accent1"/>
-          </a:fillRef>
-          <a:effectRef idx="0">
-            <a:schemeClr val="accent1"/>
-          </a:effectRef>
-          <a:fontRef idx="minor">
-            <a:schemeClr val="lt1"/>
-          </a:fontRef>
-        </p:style>
-        <p:txBody>
-          <a:bodyPr rtlCol="0" anchor="ctr"/>
-          <a:lstStyle/>
-          <a:p>
-            <a:pPr algn="ctr"/>
-            <a:endParaRPr lang="en-US"/>
-          </a:p>
-        </p:txBody>
-      </p:sp>
     </p:spTree>
     <p:extLst>
       <p:ext uri="{BB962C8B-B14F-4D97-AF65-F5344CB8AC3E}">
-        <p14:creationId xmlns:p14="http://schemas.microsoft.com/office/powerpoint/2010/main" val="3975420744"/>
+        <p14:creationId xmlns:p14="http://schemas.microsoft.com/office/powerpoint/2010/main" val="3900478011"/>
       </p:ext>
     </p:extLst>
   </p:cSld>
@@ -4624,17 +3519,19 @@
         </p:nvSpPr>
         <p:spPr>
           <a:xfrm>
-            <a:off x="149290" y="0"/>
-            <a:ext cx="11204510" cy="944239"/>
+            <a:off x="385011" y="208547"/>
+            <a:ext cx="11550314" cy="673769"/>
           </a:xfrm>
         </p:spPr>
         <p:txBody>
-          <a:bodyPr/>
-          <a:lstStyle/>
-          <a:p>
-            <a:r>
-              <a:rPr lang="en-US" dirty="0"/>
-              <a:t>Data Collection for Lab 3</a:t>
+          <a:bodyPr>
+            <a:normAutofit fontScale="90000"/>
+          </a:bodyPr>
+          <a:lstStyle/>
+          <a:p>
+            <a:r>
+              <a:rPr lang="en-US" u="sng" dirty="0"/>
+              <a:t>Step 2:  Using the order in table 3.3 start measuring.</a:t>
             </a:r>
           </a:p>
         </p:txBody>
@@ -4651,8 +3548,8 @@
         </p:nvSpPr>
         <p:spPr>
           <a:xfrm>
-            <a:off x="149290" y="774442"/>
-            <a:ext cx="9218645" cy="5934268"/>
+            <a:off x="256675" y="882316"/>
+            <a:ext cx="11662609" cy="5358063"/>
           </a:xfrm>
         </p:spPr>
         <p:txBody>
@@ -4662,40 +3559,138 @@
           <a:lstStyle/>
           <a:p>
             <a:r>
-              <a:rPr lang="en-US" dirty="0"/>
-              <a:t>Each lab table will collect their own set of data.  </a:t>
-            </a:r>
-          </a:p>
-          <a:p>
-            <a:r>
-              <a:rPr lang="en-US" dirty="0"/>
-              <a:t>10 measurements will be taken with both measuring tools:</a:t>
+              <a:rPr lang="en-US" sz="2000" dirty="0"/>
+              <a:t>Have your two measuring tools ready and </a:t>
+            </a:r>
+            <a:r>
+              <a:rPr lang="en-US" sz="2000" i="1" dirty="0">
+                <a:solidFill>
+                  <a:schemeClr val="accent5">
+                    <a:lumMod val="75000"/>
+                  </a:schemeClr>
+                </a:solidFill>
+              </a:rPr>
+              <a:t>measure in unit CM (centimeter). </a:t>
+            </a:r>
+            <a:r>
+              <a:rPr lang="en-US" sz="2000" dirty="0"/>
+              <a:t>Denote one as FIRST (for example, a small ruler) and the other as SECOND ( for example, a measuring tape)</a:t>
+            </a:r>
+          </a:p>
+          <a:p>
+            <a:r>
+              <a:rPr lang="en-US" sz="2400" dirty="0"/>
+              <a:t>If the first variable in your randomized sequence is ….</a:t>
             </a:r>
           </a:p>
           <a:p>
             <a:pPr lvl="1"/>
-            <a:r>
-              <a:rPr lang="en-US" dirty="0"/>
-              <a:t>10 measurements will be taken with the 1 cup measuring cup.</a:t>
-            </a:r>
-          </a:p>
-          <a:p>
-            <a:pPr lvl="1"/>
-            <a:r>
-              <a:rPr lang="en-US" dirty="0"/>
-              <a:t>10 measurements will be taken with </a:t>
-            </a:r>
             <a:r>
               <a:rPr lang="en-US" dirty="0">
                 <a:solidFill>
-                  <a:srgbClr val="FF0000"/>
+                  <a:srgbClr val="0070C0"/>
                 </a:solidFill>
               </a:rPr>
-              <a:t>3</a:t>
+              <a:t>FIRST</a:t>
             </a:r>
             <a:r>
               <a:rPr lang="en-US" dirty="0"/>
-              <a:t> – 1/3 cup measuring cups.  </a:t>
+              <a:t> then use your </a:t>
+            </a:r>
+            <a:r>
+              <a:rPr lang="en-US" u="sng" dirty="0"/>
+              <a:t>FIRST</a:t>
+            </a:r>
+            <a:r>
+              <a:rPr lang="en-US" dirty="0"/>
+              <a:t> measuring tool to measure the length of the 1</a:t>
+            </a:r>
+            <a:r>
+              <a:rPr lang="en-US" baseline="30000" dirty="0"/>
+              <a:t>st</a:t>
+            </a:r>
+            <a:r>
+              <a:rPr lang="en-US" dirty="0"/>
+              <a:t> spoon and record measurement. </a:t>
+            </a:r>
+          </a:p>
+          <a:p>
+            <a:pPr lvl="1"/>
+            <a:r>
+              <a:rPr lang="en-US" dirty="0">
+                <a:solidFill>
+                  <a:srgbClr val="0070C0"/>
+                </a:solidFill>
+              </a:rPr>
+              <a:t>SECOND</a:t>
+            </a:r>
+            <a:r>
+              <a:rPr lang="en-US" dirty="0"/>
+              <a:t> then use your </a:t>
+            </a:r>
+            <a:r>
+              <a:rPr lang="en-US" u="sng" dirty="0"/>
+              <a:t>SECOND</a:t>
+            </a:r>
+            <a:r>
+              <a:rPr lang="en-US" dirty="0"/>
+              <a:t> measuring tool to measure the length of the 1</a:t>
+            </a:r>
+            <a:r>
+              <a:rPr lang="en-US" baseline="30000" dirty="0"/>
+              <a:t>st</a:t>
+            </a:r>
+            <a:r>
+              <a:rPr lang="en-US" dirty="0"/>
+              <a:t> spoon and record measurement and so on.</a:t>
+            </a:r>
+          </a:p>
+          <a:p>
+            <a:pPr marL="457200" lvl="1" indent="0">
+              <a:buNone/>
+            </a:pPr>
+            <a:r>
+              <a:rPr lang="en-US" dirty="0"/>
+              <a:t>Measure all 10 spoons using your First and Second tool according to the random order. You will have 20 measurements at the end.</a:t>
+            </a:r>
+          </a:p>
+          <a:p>
+            <a:pPr marL="457200" lvl="1" indent="0">
+              <a:buNone/>
+            </a:pPr>
+            <a:r>
+              <a:rPr lang="en-US" dirty="0"/>
+              <a:t>- </a:t>
+            </a:r>
+            <a:r>
+              <a:rPr lang="en-US" dirty="0">
+                <a:solidFill>
+                  <a:srgbClr val="C00000"/>
+                </a:solidFill>
+              </a:rPr>
+              <a:t>Do not </a:t>
+            </a:r>
+            <a:r>
+              <a:rPr lang="en-US" dirty="0"/>
+              <a:t>do all FIRST measuring measurements at once  (or vice versa).   </a:t>
+            </a:r>
+          </a:p>
+          <a:p>
+            <a:pPr lvl="1">
+              <a:buFontTx/>
+              <a:buChar char="-"/>
+            </a:pPr>
+            <a:r>
+              <a:rPr lang="en-US" dirty="0"/>
+              <a:t>Put all the measurements in the 3</a:t>
+            </a:r>
+            <a:r>
+              <a:rPr lang="en-US" baseline="30000" dirty="0"/>
+              <a:t>rd</a:t>
+            </a:r>
+            <a:r>
+              <a:rPr lang="en-US" dirty="0"/>
+              <a:t> column of the Table 3.3.</a:t>
             </a:r>
           </a:p>
         </p:txBody>
@@ -4703,7 +3698,7 @@
     </p:spTree>
     <p:extLst>
       <p:ext uri="{BB962C8B-B14F-4D97-AF65-F5344CB8AC3E}">
-        <p14:creationId xmlns:p14="http://schemas.microsoft.com/office/powerpoint/2010/main" val="1164477924"/>
+        <p14:creationId xmlns:p14="http://schemas.microsoft.com/office/powerpoint/2010/main" val="1823762805"/>
       </p:ext>
     </p:extLst>
   </p:cSld>
@@ -4742,17 +3737,19 @@
         </p:nvSpPr>
         <p:spPr>
           <a:xfrm>
-            <a:off x="149290" y="0"/>
-            <a:ext cx="11204510" cy="944239"/>
+            <a:off x="838200" y="365125"/>
+            <a:ext cx="11049000" cy="581359"/>
           </a:xfrm>
         </p:spPr>
         <p:txBody>
-          <a:bodyPr/>
-          <a:lstStyle/>
-          <a:p>
-            <a:r>
-              <a:rPr lang="en-US" dirty="0"/>
-              <a:t>Data Collection for Lab 3</a:t>
+          <a:bodyPr>
+            <a:noAutofit/>
+          </a:bodyPr>
+          <a:lstStyle/>
+          <a:p>
+            <a:r>
+              <a:rPr lang="en-US" sz="3600" u="sng" dirty="0"/>
+              <a:t>Step 3: Calculations by Hand</a:t>
             </a:r>
           </a:p>
         </p:txBody>
@@ -4769,8 +3766,8 @@
         </p:nvSpPr>
         <p:spPr>
           <a:xfrm>
-            <a:off x="149290" y="944238"/>
-            <a:ext cx="8276253" cy="5764471"/>
+            <a:off x="336884" y="946484"/>
+            <a:ext cx="11855116" cy="5598695"/>
           </a:xfrm>
         </p:spPr>
         <p:txBody>
@@ -4780,163 +3777,152 @@
           <a:lstStyle/>
           <a:p>
             <a:r>
+              <a:rPr lang="en-US" sz="2400" dirty="0">
+                <a:solidFill>
+                  <a:srgbClr val="C00000"/>
+                </a:solidFill>
+              </a:rPr>
+              <a:t>NOTE</a:t>
+            </a:r>
+            <a:r>
+              <a:rPr lang="en-US" sz="2400" dirty="0"/>
+              <a:t> THAT YOU DO </a:t>
+            </a:r>
+            <a:r>
+              <a:rPr lang="en-US" sz="2400" u="sng" dirty="0"/>
+              <a:t>ONE SET </a:t>
+            </a:r>
+            <a:r>
+              <a:rPr lang="en-US" sz="2400" dirty="0"/>
+              <a:t>OF CALCULATIONS FOR THE VALUES WITH </a:t>
+            </a:r>
+            <a:r>
+              <a:rPr lang="en-US" sz="2400" b="1" dirty="0"/>
+              <a:t>FIRST</a:t>
+            </a:r>
+            <a:r>
+              <a:rPr lang="en-US" sz="2400" dirty="0"/>
+              <a:t> AND </a:t>
+            </a:r>
+            <a:r>
+              <a:rPr lang="en-US" sz="2400" u="sng" dirty="0"/>
+              <a:t>ANOTHER/SEPARATE SET </a:t>
+            </a:r>
+            <a:r>
+              <a:rPr lang="en-US" sz="2400" dirty="0"/>
+              <a:t>OF CALCULATIONS FOR THE VALUES WITH </a:t>
+            </a:r>
+            <a:r>
+              <a:rPr lang="en-US" sz="2400" b="1" dirty="0"/>
+              <a:t>SECOND</a:t>
+            </a:r>
+            <a:r>
+              <a:rPr lang="en-US" sz="2400" dirty="0"/>
+              <a:t>. </a:t>
+            </a:r>
+          </a:p>
+          <a:p>
+            <a:pPr marL="0" indent="0">
+              <a:buNone/>
+            </a:pPr>
+            <a:endParaRPr lang="en-US" sz="2400" dirty="0"/>
+          </a:p>
+          <a:p>
+            <a:r>
+              <a:rPr lang="en-US" sz="2400" dirty="0"/>
+              <a:t>From the table 3.3, separate the measurements of the FIRST tool in the 1</a:t>
+            </a:r>
+            <a:r>
+              <a:rPr lang="en-US" sz="2400" baseline="30000" dirty="0"/>
+              <a:t>st</a:t>
+            </a:r>
+            <a:r>
+              <a:rPr lang="en-US" sz="2400" dirty="0"/>
+              <a:t> column of table 3.4 and the measurements of the SECOND tool in the 1</a:t>
+            </a:r>
+            <a:r>
+              <a:rPr lang="en-US" sz="2400" baseline="30000" dirty="0"/>
+              <a:t>st</a:t>
+            </a:r>
+            <a:r>
+              <a:rPr lang="en-US" sz="2400" dirty="0"/>
+              <a:t> column of table 3.5.</a:t>
+            </a:r>
+          </a:p>
+          <a:p>
+            <a:pPr marL="0" indent="0">
+              <a:buNone/>
+            </a:pPr>
+            <a:endParaRPr lang="en-US" sz="2400" dirty="0"/>
+          </a:p>
+          <a:p>
+            <a:r>
+              <a:rPr lang="en-US" sz="2400" dirty="0"/>
+              <a:t>The following calculations must be done by hand:  </a:t>
+            </a:r>
+          </a:p>
+          <a:p>
+            <a:pPr lvl="1"/>
+            <a:r>
               <a:rPr lang="en-US" dirty="0"/>
-              <a:t>Step 1:  Randomize the order of the measurement tool:</a:t>
+              <a:t>Mean.</a:t>
             </a:r>
           </a:p>
           <a:p>
             <a:pPr lvl="1"/>
             <a:r>
-              <a:rPr lang="en-US" i="1" dirty="0"/>
-              <a:t>We don’t want to do all 10 measurements with the 1 cup measuring cup and then all 10 measurements with the 1/3 measuring cup. </a:t>
-            </a:r>
-          </a:p>
-          <a:p>
-            <a:pPr lvl="2"/>
-            <a:r>
-              <a:rPr lang="en-US" i="1" dirty="0"/>
-              <a:t>Think about why we want to randomize the order – this is question #6.  </a:t>
+              <a:rPr lang="en-US" dirty="0"/>
+              <a:t>Standard deviation – note that  you must fill out tables 3.4 and 3.5 by hand.  </a:t>
             </a:r>
           </a:p>
           <a:p>
             <a:pPr lvl="1"/>
-            <a:endParaRPr lang="en-US" i="1" dirty="0"/>
+            <a:r>
+              <a:rPr lang="en-US" dirty="0"/>
+              <a:t>5 number summary. ( Minimum, 1</a:t>
+            </a:r>
+            <a:r>
+              <a:rPr lang="en-US" baseline="30000" dirty="0"/>
+              <a:t>st</a:t>
+            </a:r>
+            <a:r>
+              <a:rPr lang="en-US" dirty="0"/>
+              <a:t> quartile, median, 3</a:t>
+            </a:r>
+            <a:r>
+              <a:rPr lang="en-US" baseline="30000" dirty="0"/>
+              <a:t>rd</a:t>
+            </a:r>
+            <a:r>
+              <a:rPr lang="en-US" dirty="0"/>
+              <a:t> quartile , Maximum) </a:t>
+            </a:r>
           </a:p>
           <a:p>
             <a:pPr lvl="1"/>
             <a:r>
-              <a:rPr lang="en-US" i="1" dirty="0"/>
-              <a:t>Open the random_number_generator.xlsx excel sheet to generate random numbers.</a:t>
-            </a:r>
-          </a:p>
-          <a:p>
-            <a:pPr lvl="1"/>
-            <a:endParaRPr lang="en-US" i="1" dirty="0"/>
-          </a:p>
-          <a:p>
-            <a:pPr lvl="1"/>
-            <a:r>
               <a:rPr lang="en-US" dirty="0"/>
-              <a:t>Fill in the variable column in Table 3.</a:t>
-            </a:r>
-            <a:r>
-              <a:rPr lang="en-US" altLang="zh-CN" dirty="0"/>
-              <a:t>2</a:t>
-            </a:r>
-            <a:r>
-              <a:rPr lang="en-US" dirty="0"/>
-              <a:t> on page </a:t>
-            </a:r>
-            <a:r>
-              <a:rPr lang="en-US" altLang="zh-CN" dirty="0"/>
-              <a:t>19</a:t>
-            </a:r>
-          </a:p>
-          <a:p>
-            <a:pPr lvl="1"/>
-            <a:r>
-              <a:rPr lang="en-US" altLang="zh-CN" dirty="0"/>
-              <a:t>On Page 20, Enter your Randomized Sequence(One and Thirds) in the variable column</a:t>
-            </a:r>
-            <a:endParaRPr lang="en-US" dirty="0"/>
-          </a:p>
-          <a:p>
-            <a:pPr marL="1371600" lvl="3" indent="0">
+              <a:t>Draw side by side boxplots.</a:t>
+            </a:r>
+          </a:p>
+          <a:p>
+            <a:pPr marL="0" indent="0">
               <a:buNone/>
             </a:pPr>
-            <a:endParaRPr lang="en-US" dirty="0"/>
+            <a:endParaRPr lang="en-US" sz="2400" dirty="0"/>
           </a:p>
         </p:txBody>
       </p:sp>
     </p:spTree>
     <p:extLst>
       <p:ext uri="{BB962C8B-B14F-4D97-AF65-F5344CB8AC3E}">
-        <p14:creationId xmlns:p14="http://schemas.microsoft.com/office/powerpoint/2010/main" val="2283067685"/>
+        <p14:creationId xmlns:p14="http://schemas.microsoft.com/office/powerpoint/2010/main" val="518082854"/>
       </p:ext>
     </p:extLst>
   </p:cSld>
   <p:clrMapOvr>
     <a:masterClrMapping/>
   </p:clrMapOvr>
-  <p:timing>
-    <p:tnLst>
-      <p:par>
-        <p:cTn id="1" dur="indefinite" restart="never" nodeType="tmRoot">
-          <p:childTnLst>
-            <p:seq concurrent="1" nextAc="seek">
-              <p:cTn id="2" dur="indefinite" nodeType="mainSeq">
-                <p:childTnLst>
-                  <p:par>
-                    <p:cTn id="3" fill="hold">
-                      <p:stCondLst>
-                        <p:cond delay="indefinite"/>
-                      </p:stCondLst>
-                      <p:childTnLst>
-                        <p:par>
-                          <p:cTn id="4" fill="hold">
-                            <p:stCondLst>
-                              <p:cond delay="0"/>
-                            </p:stCondLst>
-                            <p:childTnLst>
-                              <p:par>
-                                <p:cTn id="5" presetID="1" presetClass="entr" presetSubtype="0" fill="hold" nodeType="clickEffect">
-                                  <p:stCondLst>
-                                    <p:cond delay="0"/>
-                                  </p:stCondLst>
-                                  <p:childTnLst>
-                                    <p:set>
-                                      <p:cBhvr>
-                                        <p:cTn id="6" dur="1" fill="hold">
-                                          <p:stCondLst>
-                                            <p:cond delay="0"/>
-                                          </p:stCondLst>
-                                        </p:cTn>
-                                        <p:tgtEl>
-                                          <p:spTgt spid="3">
-                                            <p:txEl>
-                                              <p:pRg st="7" end="7"/>
-                                            </p:txEl>
-                                          </p:spTgt>
-                                        </p:tgtEl>
-                                        <p:attrNameLst>
-                                          <p:attrName>style.visibility</p:attrName>
-                                        </p:attrNameLst>
-                                      </p:cBhvr>
-                                      <p:to>
-                                        <p:strVal val="visible"/>
-                                      </p:to>
-                                    </p:set>
-                                  </p:childTnLst>
-                                </p:cTn>
-                              </p:par>
-                            </p:childTnLst>
-                          </p:cTn>
-                        </p:par>
-                      </p:childTnLst>
-                    </p:cTn>
-                  </p:par>
-                </p:childTnLst>
-              </p:cTn>
-              <p:prevCondLst>
-                <p:cond evt="onPrev" delay="0">
-                  <p:tgtEl>
-                    <p:sldTgt/>
-                  </p:tgtEl>
-                </p:cond>
-              </p:prevCondLst>
-              <p:nextCondLst>
-                <p:cond evt="onNext" delay="0">
-                  <p:tgtEl>
-                    <p:sldTgt/>
-                  </p:tgtEl>
-                </p:cond>
-              </p:nextCondLst>
-            </p:seq>
-          </p:childTnLst>
-        </p:cTn>
-      </p:par>
-    </p:tnLst>
-  </p:timing>
 </p:sld>
 </file>
 
@@ -4969,560 +3955,58 @@
         </p:nvSpPr>
         <p:spPr/>
         <p:txBody>
-          <a:bodyPr/>
+          <a:bodyPr>
+            <a:normAutofit/>
+          </a:bodyPr>
+          <a:lstStyle/>
+          <a:p>
+            <a:r>
+              <a:rPr lang="en-US" sz="3200" u="sng" dirty="0"/>
+              <a:t>Step 4: </a:t>
+            </a:r>
+          </a:p>
+        </p:txBody>
+      </p:sp>
+      <p:sp>
+        <p:nvSpPr>
+          <p:cNvPr id="3" name="Content Placeholder 2"/>
+          <p:cNvSpPr>
+            <a:spLocks noGrp="1"/>
+          </p:cNvSpPr>
+          <p:nvPr>
+            <p:ph idx="1"/>
+          </p:nvPr>
+        </p:nvSpPr>
+        <p:spPr/>
+        <p:txBody>
+          <a:bodyPr>
+            <a:normAutofit/>
+          </a:bodyPr>
           <a:lstStyle/>
           <a:p>
             <a:r>
               <a:rPr lang="en-US" dirty="0"/>
-              <a:t>Data Collection for Lab 3</a:t>
-            </a:r>
-          </a:p>
-        </p:txBody>
-      </p:sp>
-      <p:sp>
-        <p:nvSpPr>
-          <p:cNvPr id="3" name="Content Placeholder 2"/>
-          <p:cNvSpPr>
-            <a:spLocks noGrp="1"/>
-          </p:cNvSpPr>
-          <p:nvPr>
-            <p:ph idx="1"/>
-          </p:nvPr>
-        </p:nvSpPr>
-        <p:spPr>
-          <a:xfrm>
-            <a:off x="335902" y="1352939"/>
-            <a:ext cx="11017898" cy="4824024"/>
-          </a:xfrm>
-        </p:spPr>
-        <p:txBody>
-          <a:bodyPr/>
-          <a:lstStyle/>
+              <a:t>Using the summary statistics you have calculated, and the side-by-side boxplot answer the questions.</a:t>
+            </a:r>
+          </a:p>
           <a:p>
             <a:r>
               <a:rPr lang="en-US" dirty="0"/>
-              <a:t>Step 2:  Following the order in column Variable in Table 3.3 on page 20 take the measurements.  </a:t>
-            </a:r>
-          </a:p>
-          <a:p>
-            <a:pPr lvl="1"/>
+              <a:t>Note that Question 8 references the realty check found on the word document.</a:t>
+            </a:r>
+          </a:p>
+          <a:p>
             <a:r>
               <a:rPr lang="en-US" dirty="0"/>
-              <a:t>Place the empty plastic container on the scale and zero the scale.  </a:t>
-            </a:r>
-          </a:p>
-          <a:p>
-            <a:pPr marL="457200" lvl="1" indent="0">
-              <a:buNone/>
-            </a:pPr>
-            <a:endParaRPr lang="en-US" dirty="0"/>
-          </a:p>
-          <a:p>
-            <a:pPr lvl="1"/>
-            <a:r>
-              <a:rPr lang="en-US" dirty="0"/>
-              <a:t>Take the appropriate measuring tool (either 1 cup or 1/3 cup measuring cups) and scope out beads to fill the measuring tool.  Then pour the beads into the plastic container on the scale.</a:t>
-            </a:r>
-          </a:p>
-          <a:p>
-            <a:pPr marL="457200" lvl="1" indent="0">
-              <a:buNone/>
-            </a:pPr>
-            <a:endParaRPr lang="en-US" dirty="0"/>
-          </a:p>
-          <a:p>
-            <a:pPr lvl="1"/>
-            <a:r>
-              <a:rPr lang="en-US" dirty="0"/>
-              <a:t>Record the weight (in grams) for 1 cup measurements in table 3.3,</a:t>
-            </a:r>
-            <a:r>
-              <a:rPr lang="en-US" altLang="zh-CN" dirty="0"/>
-              <a:t> on page 20.</a:t>
-            </a:r>
-            <a:r>
-              <a:rPr lang="en-US" dirty="0"/>
-              <a:t> (under column weight(</a:t>
-            </a:r>
-            <a:r>
-              <a:rPr lang="en-US" dirty="0">
-                <a:solidFill>
-                  <a:srgbClr val="FF0000"/>
-                </a:solidFill>
-              </a:rPr>
-              <a:t>g</a:t>
-            </a:r>
-            <a:r>
-              <a:rPr lang="en-US" dirty="0"/>
-              <a:t>))</a:t>
-            </a:r>
-          </a:p>
-          <a:p>
-            <a:pPr lvl="1"/>
-            <a:endParaRPr lang="en-US" i="1" dirty="0"/>
-          </a:p>
-          <a:p>
-            <a:pPr lvl="1"/>
-            <a:r>
-              <a:rPr lang="en-US" i="1" dirty="0"/>
-              <a:t>Make sure you scoop </a:t>
-            </a:r>
-            <a:r>
-              <a:rPr lang="en-US" i="1" dirty="0">
-                <a:solidFill>
-                  <a:srgbClr val="FF0000"/>
-                </a:solidFill>
-              </a:rPr>
-              <a:t>3</a:t>
-            </a:r>
-            <a:r>
-              <a:rPr lang="en-US" i="1" dirty="0"/>
-              <a:t> 1/3 cups when you are doing the THIRDS.  </a:t>
-            </a:r>
-          </a:p>
-          <a:p>
-            <a:pPr lvl="1"/>
-            <a:endParaRPr lang="en-US" i="1" dirty="0"/>
+              <a:t>Each student needs to turn in their own work.</a:t>
+            </a:r>
           </a:p>
         </p:txBody>
       </p:sp>
     </p:spTree>
     <p:extLst>
       <p:ext uri="{BB962C8B-B14F-4D97-AF65-F5344CB8AC3E}">
-        <p14:creationId xmlns:p14="http://schemas.microsoft.com/office/powerpoint/2010/main" val="853940917"/>
-      </p:ext>
-    </p:extLst>
-  </p:cSld>
-  <p:clrMapOvr>
-    <a:masterClrMapping/>
-  </p:clrMapOvr>
-</p:sld>
-</file>
-
-<file path=ppt/slides/slide8.xml><?xml version="1.0" encoding="utf-8"?>
-<p:sld xmlns:a="http://schemas.openxmlformats.org/drawingml/2006/main" xmlns:r="http://schemas.openxmlformats.org/officeDocument/2006/relationships" xmlns:p="http://schemas.openxmlformats.org/presentationml/2006/main">
-  <p:cSld>
-    <p:spTree>
-      <p:nvGrpSpPr>
-        <p:cNvPr id="1" name=""/>
-        <p:cNvGrpSpPr/>
-        <p:nvPr/>
-      </p:nvGrpSpPr>
-      <p:grpSpPr>
-        <a:xfrm>
-          <a:off x="0" y="0"/>
-          <a:ext cx="0" cy="0"/>
-          <a:chOff x="0" y="0"/>
-          <a:chExt cx="0" cy="0"/>
-        </a:xfrm>
-      </p:grpSpPr>
-      <p:sp>
-        <p:nvSpPr>
-          <p:cNvPr id="2" name="Title 1"/>
-          <p:cNvSpPr>
-            <a:spLocks noGrp="1"/>
-          </p:cNvSpPr>
-          <p:nvPr>
-            <p:ph type="title"/>
-          </p:nvPr>
-        </p:nvSpPr>
-        <p:spPr>
-          <a:xfrm>
-            <a:off x="111968" y="102637"/>
-            <a:ext cx="11176518" cy="916247"/>
-          </a:xfrm>
-        </p:spPr>
-        <p:txBody>
-          <a:bodyPr/>
-          <a:lstStyle/>
-          <a:p>
-            <a:r>
-              <a:rPr lang="en-US" dirty="0"/>
-              <a:t>Data Analysis for Lab 3</a:t>
-            </a:r>
-          </a:p>
-        </p:txBody>
-      </p:sp>
-      <mc:AlternateContent xmlns:mc="http://schemas.openxmlformats.org/markup-compatibility/2006">
-        <mc:Choice xmlns:a14="http://schemas.microsoft.com/office/drawing/2010/main" Requires="a14">
-          <p:sp>
-            <p:nvSpPr>
-              <p:cNvPr id="3" name="Content Placeholder 2"/>
-              <p:cNvSpPr>
-                <a:spLocks noGrp="1"/>
-              </p:cNvSpPr>
-              <p:nvPr>
-                <p:ph idx="1"/>
-              </p:nvPr>
-            </p:nvSpPr>
-            <p:spPr>
-              <a:xfrm>
-                <a:off x="223935" y="895739"/>
-                <a:ext cx="11756571" cy="5756988"/>
-              </a:xfrm>
-            </p:spPr>
-            <p:txBody>
-              <a:bodyPr>
-                <a:normAutofit lnSpcReduction="10000"/>
-              </a:bodyPr>
-              <a:lstStyle/>
-              <a:p>
-                <a:r>
-                  <a:rPr lang="en-US" dirty="0"/>
-                  <a:t>Two separate analyzes will be done:</a:t>
-                </a:r>
-              </a:p>
-              <a:p>
-                <a:pPr lvl="1"/>
-                <a:r>
-                  <a:rPr lang="en-US" dirty="0"/>
-                  <a:t>1.  Using the 1 cup measurements.</a:t>
-                </a:r>
-              </a:p>
-              <a:p>
-                <a:pPr lvl="1"/>
-                <a:r>
-                  <a:rPr lang="en-US" dirty="0"/>
-                  <a:t>2.  Using the 1/3 cup measurements.   </a:t>
-                </a:r>
-              </a:p>
-              <a:p>
-                <a:r>
-                  <a:rPr lang="en-US" dirty="0"/>
-                  <a:t>Calculate the following numerical summaries for both measuring tools:</a:t>
-                </a:r>
-              </a:p>
-              <a:p>
-                <a:pPr lvl="1"/>
-                <a:r>
-                  <a:rPr lang="en-US" i="1" dirty="0">
-                    <a:solidFill>
-                      <a:srgbClr val="FF0000"/>
-                    </a:solidFill>
-                  </a:rPr>
-                  <a:t>All calculations should be done by hand (you will have to do it on the exam by hand) </a:t>
-                </a:r>
-                <a:r>
-                  <a:rPr lang="en-US" i="1" dirty="0"/>
-                  <a:t>and the following must be filled in Figure 3.1; Table 3.4; Table 3.5; Table 3.6.</a:t>
-                </a:r>
-              </a:p>
-              <a:p>
-                <a:pPr lvl="1"/>
-                <a:r>
-                  <a:rPr lang="en-US" dirty="0"/>
-                  <a:t>Mean:</a:t>
-                </a:r>
-                <a:r>
-                  <a:rPr lang="en-US" b="1" dirty="0"/>
-                  <a:t> </a:t>
-                </a:r>
-                <a14:m>
-                  <m:oMath xmlns:m="http://schemas.openxmlformats.org/officeDocument/2006/math">
-                    <m:acc>
-                      <m:accPr>
-                        <m:chr m:val="̅"/>
-                        <m:ctrlPr>
-                          <a:rPr lang="en-US" b="1" i="1">
-                            <a:latin typeface="Cambria Math" panose="02040503050406030204" pitchFamily="18" charset="0"/>
-                          </a:rPr>
-                        </m:ctrlPr>
-                      </m:accPr>
-                      <m:e>
-                        <m:r>
-                          <a:rPr lang="en-US" b="1" i="1">
-                            <a:latin typeface="Cambria Math" panose="02040503050406030204" pitchFamily="18" charset="0"/>
-                          </a:rPr>
-                          <m:t>𝒙</m:t>
-                        </m:r>
-                      </m:e>
-                    </m:acc>
-                    <m:r>
-                      <a:rPr lang="en-US" b="1" i="1">
-                        <a:latin typeface="Cambria Math" panose="02040503050406030204" pitchFamily="18" charset="0"/>
-                      </a:rPr>
-                      <m:t>=</m:t>
-                    </m:r>
-                    <m:f>
-                      <m:fPr>
-                        <m:ctrlPr>
-                          <a:rPr lang="en-US" b="1" i="1">
-                            <a:latin typeface="Cambria Math" panose="02040503050406030204" pitchFamily="18" charset="0"/>
-                          </a:rPr>
-                        </m:ctrlPr>
-                      </m:fPr>
-                      <m:num>
-                        <m:nary>
-                          <m:naryPr>
-                            <m:chr m:val="∑"/>
-                            <m:limLoc m:val="undOvr"/>
-                            <m:subHide m:val="on"/>
-                            <m:supHide m:val="on"/>
-                            <m:ctrlPr>
-                              <a:rPr lang="en-US" b="1" i="1">
-                                <a:latin typeface="Cambria Math" panose="02040503050406030204" pitchFamily="18" charset="0"/>
-                              </a:rPr>
-                            </m:ctrlPr>
-                          </m:naryPr>
-                          <m:sub/>
-                          <m:sup/>
-                          <m:e>
-                            <m:r>
-                              <a:rPr lang="en-US" b="1" i="1">
-                                <a:latin typeface="Cambria Math" panose="02040503050406030204" pitchFamily="18" charset="0"/>
-                              </a:rPr>
-                              <m:t>𝒙</m:t>
-                            </m:r>
-                          </m:e>
-                        </m:nary>
-                      </m:num>
-                      <m:den>
-                        <m:r>
-                          <a:rPr lang="en-US" b="1" i="1">
-                            <a:latin typeface="Cambria Math" panose="02040503050406030204" pitchFamily="18" charset="0"/>
-                          </a:rPr>
-                          <m:t>𝒏</m:t>
-                        </m:r>
-                      </m:den>
-                    </m:f>
-                  </m:oMath>
-                </a14:m>
-                <a:endParaRPr lang="en-US" dirty="0"/>
-              </a:p>
-              <a:p>
-                <a:pPr lvl="2"/>
-                <a:r>
-                  <a:rPr lang="en-US" dirty="0"/>
-                  <a:t>Add together all values and divide by the sample size (10).  </a:t>
-                </a:r>
-              </a:p>
-              <a:p>
-                <a:pPr lvl="1"/>
-                <a:r>
-                  <a:rPr lang="en-US" dirty="0"/>
-                  <a:t>5 # summary: </a:t>
-                </a:r>
-                <a:r>
-                  <a:rPr lang="en-US" dirty="0">
-                    <a:solidFill>
-                      <a:srgbClr val="FF0000"/>
-                    </a:solidFill>
-                  </a:rPr>
-                  <a:t>( you draw it by hand) (calculate it by hand then check it!)</a:t>
-                </a:r>
-              </a:p>
-              <a:p>
-                <a:pPr lvl="2"/>
-                <a:r>
-                  <a:rPr lang="en-US" dirty="0"/>
-                  <a:t>Minimum, Quartiles, and Maximum.  </a:t>
-                </a:r>
-              </a:p>
-              <a:p>
-                <a:pPr lvl="2"/>
-                <a:r>
-                  <a:rPr lang="en-US" dirty="0"/>
-                  <a:t>Use this to draw the boxplot.</a:t>
-                </a:r>
-              </a:p>
-              <a:p>
-                <a:pPr lvl="1"/>
-                <a:r>
-                  <a:rPr lang="en-US" dirty="0"/>
-                  <a:t>Standard deviation: </a:t>
-                </a:r>
-                <a:r>
-                  <a:rPr lang="en-US" dirty="0">
-                    <a:solidFill>
-                      <a:srgbClr val="FF0000"/>
-                    </a:solidFill>
-                  </a:rPr>
-                  <a:t>(You should know how to do it by hand)</a:t>
-                </a:r>
-              </a:p>
-              <a:p>
-                <a:pPr lvl="2"/>
-                <a:r>
-                  <a:rPr lang="en-US" dirty="0"/>
-                  <a:t>Use Tables 3.4 and 3.5 to help you do this by hand.   Column 1 is simply the measurements given (found in Table 3.3).  Column 2 is each value minus the mean.  Column 3 is the value in Column 2 squared.  The last row is the sum of the columns.   </a:t>
-                </a:r>
-              </a:p>
-              <a:p>
-                <a:pPr lvl="2"/>
-                <a:r>
-                  <a:rPr lang="en-US" dirty="0"/>
-                  <a:t>Use the formula given to calculate the standard deviation.  </a:t>
-                </a:r>
-              </a:p>
-            </p:txBody>
-          </p:sp>
-        </mc:Choice>
-        <mc:Fallback>
-          <p:sp>
-            <p:nvSpPr>
-              <p:cNvPr id="3" name="Content Placeholder 2"/>
-              <p:cNvSpPr>
-                <a:spLocks noGrp="1" noRot="1" noChangeAspect="1" noMove="1" noResize="1" noEditPoints="1" noAdjustHandles="1" noChangeArrowheads="1" noChangeShapeType="1" noTextEdit="1"/>
-              </p:cNvSpPr>
-              <p:nvPr>
-                <p:ph idx="1"/>
-              </p:nvPr>
-            </p:nvSpPr>
-            <p:spPr>
-              <a:xfrm>
-                <a:off x="223935" y="895739"/>
-                <a:ext cx="11756571" cy="5756988"/>
-              </a:xfrm>
-              <a:blipFill>
-                <a:blip r:embed="rId2"/>
-                <a:stretch>
-                  <a:fillRect l="-934" t="-2436" r="-1037"/>
-                </a:stretch>
-              </a:blipFill>
-            </p:spPr>
-            <p:txBody>
-              <a:bodyPr/>
-              <a:lstStyle/>
-              <a:p>
-                <a:r>
-                  <a:rPr lang="zh-CN" altLang="en-US">
-                    <a:noFill/>
-                  </a:rPr>
-                  <a:t> </a:t>
-                </a:r>
-              </a:p>
-            </p:txBody>
-          </p:sp>
-        </mc:Fallback>
-      </mc:AlternateContent>
-    </p:spTree>
-    <p:extLst>
-      <p:ext uri="{BB962C8B-B14F-4D97-AF65-F5344CB8AC3E}">
-        <p14:creationId xmlns:p14="http://schemas.microsoft.com/office/powerpoint/2010/main" val="1285326102"/>
-      </p:ext>
-    </p:extLst>
-  </p:cSld>
-  <p:clrMapOvr>
-    <a:masterClrMapping/>
-  </p:clrMapOvr>
-</p:sld>
-</file>
-
-<file path=ppt/slides/slide9.xml><?xml version="1.0" encoding="utf-8"?>
-<p:sld xmlns:a="http://schemas.openxmlformats.org/drawingml/2006/main" xmlns:r="http://schemas.openxmlformats.org/officeDocument/2006/relationships" xmlns:p="http://schemas.openxmlformats.org/presentationml/2006/main">
-  <p:cSld>
-    <p:spTree>
-      <p:nvGrpSpPr>
-        <p:cNvPr id="1" name=""/>
-        <p:cNvGrpSpPr/>
-        <p:nvPr/>
-      </p:nvGrpSpPr>
-      <p:grpSpPr>
-        <a:xfrm>
-          <a:off x="0" y="0"/>
-          <a:ext cx="0" cy="0"/>
-          <a:chOff x="0" y="0"/>
-          <a:chExt cx="0" cy="0"/>
-        </a:xfrm>
-      </p:grpSpPr>
-      <p:sp>
-        <p:nvSpPr>
-          <p:cNvPr id="2" name="Title 1"/>
-          <p:cNvSpPr>
-            <a:spLocks noGrp="1"/>
-          </p:cNvSpPr>
-          <p:nvPr>
-            <p:ph type="title"/>
-          </p:nvPr>
-        </p:nvSpPr>
-        <p:spPr>
-          <a:xfrm>
-            <a:off x="233265" y="74645"/>
-            <a:ext cx="11251163" cy="654990"/>
-          </a:xfrm>
-        </p:spPr>
-        <p:txBody>
-          <a:bodyPr>
-            <a:normAutofit fontScale="90000"/>
-          </a:bodyPr>
-          <a:lstStyle/>
-          <a:p>
-            <a:r>
-              <a:rPr lang="en-US" dirty="0"/>
-              <a:t>Before you Leave</a:t>
-            </a:r>
-          </a:p>
-        </p:txBody>
-      </p:sp>
-      <p:sp>
-        <p:nvSpPr>
-          <p:cNvPr id="3" name="Content Placeholder 2"/>
-          <p:cNvSpPr>
-            <a:spLocks noGrp="1"/>
-          </p:cNvSpPr>
-          <p:nvPr>
-            <p:ph idx="1"/>
-          </p:nvPr>
-        </p:nvSpPr>
-        <p:spPr>
-          <a:xfrm>
-            <a:off x="233265" y="729635"/>
-            <a:ext cx="11120535" cy="5447328"/>
-          </a:xfrm>
-        </p:spPr>
-        <p:txBody>
-          <a:bodyPr>
-            <a:normAutofit/>
-          </a:bodyPr>
-          <a:lstStyle/>
-          <a:p>
-            <a:r>
-              <a:rPr lang="en-US" sz="3000" dirty="0"/>
-              <a:t>Turn in pages 19-23 from the lab book (you can leave page 19 blank)  </a:t>
-            </a:r>
-            <a:r>
-              <a:rPr lang="en-US" sz="3000" i="1" dirty="0"/>
-              <a:t>Everyone needs to turn in their own work</a:t>
-            </a:r>
-            <a:r>
-              <a:rPr lang="en-US" sz="3000" dirty="0"/>
-              <a:t>.</a:t>
-            </a:r>
-          </a:p>
-          <a:p>
-            <a:pPr lvl="1"/>
-            <a:r>
-              <a:rPr lang="en-US" sz="3000" dirty="0"/>
-              <a:t>Make sure all tables and figures are filled in on pages 20 – 21.  </a:t>
-            </a:r>
-          </a:p>
-          <a:p>
-            <a:pPr lvl="1"/>
-            <a:r>
-              <a:rPr lang="en-US" sz="3000" dirty="0"/>
-              <a:t>Make sure you answer all questions completely.</a:t>
-            </a:r>
-          </a:p>
-          <a:p>
-            <a:pPr lvl="2"/>
-            <a:r>
-              <a:rPr lang="en-US" sz="3000" dirty="0"/>
-              <a:t>If it says explain then you need to justify your answer using something from the analysis.  </a:t>
-            </a:r>
-          </a:p>
-          <a:p>
-            <a:pPr lvl="2"/>
-            <a:r>
-              <a:rPr lang="en-US" sz="3000" dirty="0"/>
-              <a:t>Reality Check question is in reference to the Reality Check box on page 17.</a:t>
-            </a:r>
-          </a:p>
-        </p:txBody>
-      </p:sp>
-    </p:spTree>
-    <p:extLst>
-      <p:ext uri="{BB962C8B-B14F-4D97-AF65-F5344CB8AC3E}">
-        <p14:creationId xmlns:p14="http://schemas.microsoft.com/office/powerpoint/2010/main" val="2240038431"/>
+        <p14:creationId xmlns:p14="http://schemas.microsoft.com/office/powerpoint/2010/main" val="2447590834"/>
       </p:ext>
     </p:extLst>
   </p:cSld>
@@ -5791,265 +4275,4 @@
     </a:ext>
   </a:extLst>
 </a:theme>
-</file>
-
-<file path=ppt/theme/theme2.xml><?xml version="1.0" encoding="utf-8"?>
-<a:theme xmlns:a="http://schemas.openxmlformats.org/drawingml/2006/main" name="Office Theme">
-  <a:themeElements>
-    <a:clrScheme name="Office">
-      <a:dk1>
-        <a:sysClr val="windowText" lastClr="000000"/>
-      </a:dk1>
-      <a:lt1>
-        <a:sysClr val="window" lastClr="FFFFFF"/>
-      </a:lt1>
-      <a:dk2>
-        <a:srgbClr val="44546A"/>
-      </a:dk2>
-      <a:lt2>
-        <a:srgbClr val="E7E6E6"/>
-      </a:lt2>
-      <a:accent1>
-        <a:srgbClr val="5B9BD5"/>
-      </a:accent1>
-      <a:accent2>
-        <a:srgbClr val="ED7D31"/>
-      </a:accent2>
-      <a:accent3>
-        <a:srgbClr val="A5A5A5"/>
-      </a:accent3>
-      <a:accent4>
-        <a:srgbClr val="FFC000"/>
-      </a:accent4>
-      <a:accent5>
-        <a:srgbClr val="4472C4"/>
-      </a:accent5>
-      <a:accent6>
-        <a:srgbClr val="70AD47"/>
-      </a:accent6>
-      <a:hlink>
-        <a:srgbClr val="0563C1"/>
-      </a:hlink>
-      <a:folHlink>
-        <a:srgbClr val="954F72"/>
-      </a:folHlink>
-    </a:clrScheme>
-    <a:fontScheme name="Office">
-      <a:majorFont>
-        <a:latin typeface="Calibri Light" panose="020F0302020204030204"/>
-        <a:ea typeface=""/>
-        <a:cs typeface=""/>
-        <a:font script="Jpan" typeface="ＭＳ Ｐゴシック"/>
-        <a:font script="Hang" typeface="맑은 고딕"/>
-        <a:font script="Hans" typeface="宋体"/>
-        <a:font script="Hant" typeface="新細明體"/>
-        <a:font script="Arab" typeface="Times New Roman"/>
-        <a:font script="Hebr" typeface="Times New Roman"/>
-        <a:font script="Thai" typeface="Angsana New"/>
-        <a:font script="Ethi" typeface="Nyala"/>
-        <a:font script="Beng" typeface="Vrinda"/>
-        <a:font script="Gujr" typeface="Shruti"/>
-        <a:font script="Khmr" typeface="MoolBoran"/>
-        <a:font script="Knda" typeface="Tunga"/>
-        <a:font script="Guru" typeface="Raavi"/>
-        <a:font script="Cans" typeface="Euphemia"/>
-        <a:font script="Cher" typeface="Plantagenet Cherokee"/>
-        <a:font script="Yiii" typeface="Microsoft Yi Baiti"/>
-        <a:font script="Tibt" typeface="Microsoft Himalaya"/>
-        <a:font script="Thaa" typeface="MV Boli"/>
-        <a:font script="Deva" typeface="Mangal"/>
-        <a:font script="Telu" typeface="Gautami"/>
-        <a:font script="Taml" typeface="Latha"/>
-        <a:font script="Syrc" typeface="Estrangelo Edessa"/>
-        <a:font script="Orya" typeface="Kalinga"/>
-        <a:font script="Mlym" typeface="Kartika"/>
-        <a:font script="Laoo" typeface="DokChampa"/>
-        <a:font script="Sinh" typeface="Iskoola Pota"/>
-        <a:font script="Mong" typeface="Mongolian Baiti"/>
-        <a:font script="Viet" typeface="Times New Roman"/>
-        <a:font script="Uigh" typeface="Microsoft Uighur"/>
-        <a:font script="Geor" typeface="Sylfaen"/>
-      </a:majorFont>
-      <a:minorFont>
-        <a:latin typeface="Calibri" panose="020F0502020204030204"/>
-        <a:ea typeface=""/>
-        <a:cs typeface=""/>
-        <a:font script="Jpan" typeface="ＭＳ Ｐゴシック"/>
-        <a:font script="Hang" typeface="맑은 고딕"/>
-        <a:font script="Hans" typeface="宋体"/>
-        <a:font script="Hant" typeface="新細明體"/>
-        <a:font script="Arab" typeface="Arial"/>
-        <a:font script="Hebr" typeface="Arial"/>
-        <a:font script="Thai" typeface="Cordia New"/>
-        <a:font script="Ethi" typeface="Nyala"/>
-        <a:font script="Beng" typeface="Vrinda"/>
-        <a:font script="Gujr" typeface="Shruti"/>
-        <a:font script="Khmr" typeface="DaunPenh"/>
-        <a:font script="Knda" typeface="Tunga"/>
-        <a:font script="Guru" typeface="Raavi"/>
-        <a:font script="Cans" typeface="Euphemia"/>
-        <a:font script="Cher" typeface="Plantagenet Cherokee"/>
-        <a:font script="Yiii" typeface="Microsoft Yi Baiti"/>
-        <a:font script="Tibt" typeface="Microsoft Himalaya"/>
-        <a:font script="Thaa" typeface="MV Boli"/>
-        <a:font script="Deva" typeface="Mangal"/>
-        <a:font script="Telu" typeface="Gautami"/>
-        <a:font script="Taml" typeface="Latha"/>
-        <a:font script="Syrc" typeface="Estrangelo Edessa"/>
-        <a:font script="Orya" typeface="Kalinga"/>
-        <a:font script="Mlym" typeface="Kartika"/>
-        <a:font script="Laoo" typeface="DokChampa"/>
-        <a:font script="Sinh" typeface="Iskoola Pota"/>
-        <a:font script="Mong" typeface="Mongolian Baiti"/>
-        <a:font script="Viet" typeface="Arial"/>
-        <a:font script="Uigh" typeface="Microsoft Uighur"/>
-        <a:font script="Geor" typeface="Sylfaen"/>
-      </a:minorFont>
-    </a:fontScheme>
-    <a:fmtScheme name="Office">
-      <a:fillStyleLst>
-        <a:solidFill>
-          <a:schemeClr val="phClr"/>
-        </a:solidFill>
-        <a:gradFill rotWithShape="1">
-          <a:gsLst>
-            <a:gs pos="0">
-              <a:schemeClr val="phClr">
-                <a:lumMod val="110000"/>
-                <a:satMod val="105000"/>
-                <a:tint val="67000"/>
-              </a:schemeClr>
-            </a:gs>
-            <a:gs pos="50000">
-              <a:schemeClr val="phClr">
-                <a:lumMod val="105000"/>
-                <a:satMod val="103000"/>
-                <a:tint val="73000"/>
-              </a:schemeClr>
-            </a:gs>
-            <a:gs pos="100000">
-              <a:schemeClr val="phClr">
-                <a:lumMod val="105000"/>
-                <a:satMod val="109000"/>
-                <a:tint val="81000"/>
-              </a:schemeClr>
-            </a:gs>
-          </a:gsLst>
-          <a:lin ang="5400000" scaled="0"/>
-        </a:gradFill>
-        <a:gradFill rotWithShape="1">
-          <a:gsLst>
-            <a:gs pos="0">
-              <a:schemeClr val="phClr">
-                <a:satMod val="103000"/>
-                <a:lumMod val="102000"/>
-                <a:tint val="94000"/>
-              </a:schemeClr>
-            </a:gs>
-            <a:gs pos="50000">
-              <a:schemeClr val="phClr">
-                <a:satMod val="110000"/>
-                <a:lumMod val="100000"/>
-                <a:shade val="100000"/>
-              </a:schemeClr>
-            </a:gs>
-            <a:gs pos="100000">
-              <a:schemeClr val="phClr">
-                <a:lumMod val="99000"/>
-                <a:satMod val="120000"/>
-                <a:shade val="78000"/>
-              </a:schemeClr>
-            </a:gs>
-          </a:gsLst>
-          <a:lin ang="5400000" scaled="0"/>
-        </a:gradFill>
-      </a:fillStyleLst>
-      <a:lnStyleLst>
-        <a:ln w="6350" cap="flat" cmpd="sng" algn="ctr">
-          <a:solidFill>
-            <a:schemeClr val="phClr"/>
-          </a:solidFill>
-          <a:prstDash val="solid"/>
-          <a:miter lim="800000"/>
-        </a:ln>
-        <a:ln w="12700" cap="flat" cmpd="sng" algn="ctr">
-          <a:solidFill>
-            <a:schemeClr val="phClr"/>
-          </a:solidFill>
-          <a:prstDash val="solid"/>
-          <a:miter lim="800000"/>
-        </a:ln>
-        <a:ln w="19050" cap="flat" cmpd="sng" algn="ctr">
-          <a:solidFill>
-            <a:schemeClr val="phClr"/>
-          </a:solidFill>
-          <a:prstDash val="solid"/>
-          <a:miter lim="800000"/>
-        </a:ln>
-      </a:lnStyleLst>
-      <a:effectStyleLst>
-        <a:effectStyle>
-          <a:effectLst/>
-        </a:effectStyle>
-        <a:effectStyle>
-          <a:effectLst/>
-        </a:effectStyle>
-        <a:effectStyle>
-          <a:effectLst>
-            <a:outerShdw blurRad="57150" dist="19050" dir="5400000" algn="ctr" rotWithShape="0">
-              <a:srgbClr val="000000">
-                <a:alpha val="63000"/>
-              </a:srgbClr>
-            </a:outerShdw>
-          </a:effectLst>
-        </a:effectStyle>
-      </a:effectStyleLst>
-      <a:bgFillStyleLst>
-        <a:solidFill>
-          <a:schemeClr val="phClr"/>
-        </a:solidFill>
-        <a:solidFill>
-          <a:schemeClr val="phClr">
-            <a:tint val="95000"/>
-            <a:satMod val="170000"/>
-          </a:schemeClr>
-        </a:solidFill>
-        <a:gradFill rotWithShape="1">
-          <a:gsLst>
-            <a:gs pos="0">
-              <a:schemeClr val="phClr">
-                <a:tint val="93000"/>
-                <a:satMod val="150000"/>
-                <a:shade val="98000"/>
-                <a:lumMod val="102000"/>
-              </a:schemeClr>
-            </a:gs>
-            <a:gs pos="50000">
-              <a:schemeClr val="phClr">
-                <a:tint val="98000"/>
-                <a:satMod val="130000"/>
-                <a:shade val="90000"/>
-                <a:lumMod val="103000"/>
-              </a:schemeClr>
-            </a:gs>
-            <a:gs pos="100000">
-              <a:schemeClr val="phClr">
-                <a:shade val="63000"/>
-                <a:satMod val="120000"/>
-              </a:schemeClr>
-            </a:gs>
-          </a:gsLst>
-          <a:lin ang="5400000" scaled="0"/>
-        </a:gradFill>
-      </a:bgFillStyleLst>
-    </a:fmtScheme>
-  </a:themeElements>
-  <a:objectDefaults/>
-  <a:extraClrSchemeLst/>
-  <a:extLst>
-    <a:ext uri="{05A4C25C-085E-4340-85A3-A5531E510DB2}">
-      <thm15:themeFamily xmlns:thm15="http://schemas.microsoft.com/office/thememl/2012/main" name="Office Theme" id="{62F939B6-93AF-4DB8-9C6B-D6C7DFDC589F}" vid="{4A3C46E8-61CC-4603-A589-7422A47A8E4A}"/>
-    </a:ext>
-  </a:extLst>
-</a:theme>
 </file>
--- a/Lab3/Lab 3.pptx
+++ b/Lab3/Lab 3.pptx
@@ -275,7 +275,7 @@
           <a:p>
             <a:fld id="{980DDB0B-E733-48E9-8000-7882888BF0D3}" type="datetimeFigureOut">
               <a:rPr lang="en-US" smtClean="0"/>
-              <a:t>1/12/2021</a:t>
+              <a:t>8/31/2021</a:t>
             </a:fld>
             <a:endParaRPr lang="en-US"/>
           </a:p>
@@ -443,7 +443,7 @@
           <a:p>
             <a:fld id="{980DDB0B-E733-48E9-8000-7882888BF0D3}" type="datetimeFigureOut">
               <a:rPr lang="en-US" smtClean="0"/>
-              <a:t>1/12/2021</a:t>
+              <a:t>8/31/2021</a:t>
             </a:fld>
             <a:endParaRPr lang="en-US"/>
           </a:p>
@@ -621,7 +621,7 @@
           <a:p>
             <a:fld id="{980DDB0B-E733-48E9-8000-7882888BF0D3}" type="datetimeFigureOut">
               <a:rPr lang="en-US" smtClean="0"/>
-              <a:t>1/12/2021</a:t>
+              <a:t>8/31/2021</a:t>
             </a:fld>
             <a:endParaRPr lang="en-US"/>
           </a:p>
@@ -789,7 +789,7 @@
           <a:p>
             <a:fld id="{980DDB0B-E733-48E9-8000-7882888BF0D3}" type="datetimeFigureOut">
               <a:rPr lang="en-US" smtClean="0"/>
-              <a:t>1/12/2021</a:t>
+              <a:t>8/31/2021</a:t>
             </a:fld>
             <a:endParaRPr lang="en-US"/>
           </a:p>
@@ -1034,7 +1034,7 @@
           <a:p>
             <a:fld id="{980DDB0B-E733-48E9-8000-7882888BF0D3}" type="datetimeFigureOut">
               <a:rPr lang="en-US" smtClean="0"/>
-              <a:t>1/12/2021</a:t>
+              <a:t>8/31/2021</a:t>
             </a:fld>
             <a:endParaRPr lang="en-US"/>
           </a:p>
@@ -1263,7 +1263,7 @@
           <a:p>
             <a:fld id="{980DDB0B-E733-48E9-8000-7882888BF0D3}" type="datetimeFigureOut">
               <a:rPr lang="en-US" smtClean="0"/>
-              <a:t>1/12/2021</a:t>
+              <a:t>8/31/2021</a:t>
             </a:fld>
             <a:endParaRPr lang="en-US"/>
           </a:p>
@@ -1627,7 +1627,7 @@
           <a:p>
             <a:fld id="{980DDB0B-E733-48E9-8000-7882888BF0D3}" type="datetimeFigureOut">
               <a:rPr lang="en-US" smtClean="0"/>
-              <a:t>1/12/2021</a:t>
+              <a:t>8/31/2021</a:t>
             </a:fld>
             <a:endParaRPr lang="en-US"/>
           </a:p>
@@ -1744,7 +1744,7 @@
           <a:p>
             <a:fld id="{980DDB0B-E733-48E9-8000-7882888BF0D3}" type="datetimeFigureOut">
               <a:rPr lang="en-US" smtClean="0"/>
-              <a:t>1/12/2021</a:t>
+              <a:t>8/31/2021</a:t>
             </a:fld>
             <a:endParaRPr lang="en-US"/>
           </a:p>
@@ -1839,7 +1839,7 @@
           <a:p>
             <a:fld id="{980DDB0B-E733-48E9-8000-7882888BF0D3}" type="datetimeFigureOut">
               <a:rPr lang="en-US" smtClean="0"/>
-              <a:t>1/12/2021</a:t>
+              <a:t>8/31/2021</a:t>
             </a:fld>
             <a:endParaRPr lang="en-US"/>
           </a:p>
@@ -2114,7 +2114,7 @@
           <a:p>
             <a:fld id="{980DDB0B-E733-48E9-8000-7882888BF0D3}" type="datetimeFigureOut">
               <a:rPr lang="en-US" smtClean="0"/>
-              <a:t>1/12/2021</a:t>
+              <a:t>8/31/2021</a:t>
             </a:fld>
             <a:endParaRPr lang="en-US"/>
           </a:p>
@@ -2366,7 +2366,7 @@
           <a:p>
             <a:fld id="{980DDB0B-E733-48E9-8000-7882888BF0D3}" type="datetimeFigureOut">
               <a:rPr lang="en-US" smtClean="0"/>
-              <a:t>1/12/2021</a:t>
+              <a:t>8/31/2021</a:t>
             </a:fld>
             <a:endParaRPr lang="en-US"/>
           </a:p>
@@ -2577,7 +2577,7 @@
           <a:p>
             <a:fld id="{980DDB0B-E733-48E9-8000-7882888BF0D3}" type="datetimeFigureOut">
               <a:rPr lang="en-US" smtClean="0"/>
-              <a:t>1/12/2021</a:t>
+              <a:t>8/31/2021</a:t>
             </a:fld>
             <a:endParaRPr lang="en-US"/>
           </a:p>
@@ -3252,16 +3252,13 @@
               </a:rPr>
               <a:t>https://www.statcrunch.com/</a:t>
             </a:r>
-            <a:endParaRPr lang="en-US" dirty="0"/>
-          </a:p>
-          <a:p>
             <a:endParaRPr lang="en-US" u="sng" dirty="0"/>
           </a:p>
           <a:p>
             <a:pPr lvl="1"/>
             <a:r>
               <a:rPr lang="en-US" dirty="0"/>
-              <a:t>In VAR1 column 1 =&gt; type FIRST 10 times (rows 1 to 10 should have FIRST ).  Type SECOND 10 times (rows 11 to 20 should have SECOND).  </a:t>
+              <a:t>In VAR1 column 1 =&gt; type One 10 times (rows 1 to 10 should have One ).  Type Thirds 10 times (rows 11 to 20 should have Thirds).  </a:t>
             </a:r>
           </a:p>
           <a:p>
@@ -3321,9 +3318,7 @@
             </a:r>
           </a:p>
           <a:p>
-            <a:pPr marL="914400" lvl="2" indent="0">
-              <a:buNone/>
-            </a:pPr>
+            <a:pPr lvl="2"/>
             <a:endParaRPr lang="en-US" sz="2400" dirty="0"/>
           </a:p>
           <a:p>
@@ -3337,23 +3332,7 @@
                   <a:srgbClr val="FF0000"/>
                 </a:solidFill>
               </a:rPr>
-              <a:t>Fill in the 3</a:t>
-            </a:r>
-            <a:r>
-              <a:rPr lang="en-US" sz="2400" baseline="30000" dirty="0">
-                <a:solidFill>
-                  <a:srgbClr val="FF0000"/>
-                </a:solidFill>
-              </a:rPr>
-              <a:t>rd</a:t>
-            </a:r>
-            <a:r>
-              <a:rPr lang="en-US" sz="2400" dirty="0">
-                <a:solidFill>
-                  <a:srgbClr val="FF0000"/>
-                </a:solidFill>
-              </a:rPr>
-              <a:t> column called “Random Number Sorted” of the Table 3.</a:t>
+              <a:t>Only fill the Randomized Sequence column of Table 3.</a:t>
             </a:r>
             <a:r>
               <a:rPr lang="en-US" altLang="zh-CN" sz="2400" dirty="0">
@@ -3369,27 +3348,38 @@
                   <a:srgbClr val="FF0000"/>
                 </a:solidFill>
               </a:rPr>
-              <a:t>.</a:t>
-            </a:r>
-          </a:p>
-          <a:p>
-            <a:pPr marL="914400" lvl="2" indent="0">
-              <a:buNone/>
-            </a:pPr>
-            <a:endParaRPr lang="en-US" sz="2400" dirty="0"/>
-          </a:p>
-          <a:p>
-            <a:pPr lvl="2">
-              <a:buFont typeface="Wingdings" pitchFamily="2" charset="2"/>
-              <a:buChar char="ü"/>
-            </a:pPr>
+              <a:t>, with the 20 randomized One and Thirds from </a:t>
+            </a:r>
+            <a:r>
+              <a:rPr lang="en-US" sz="2400" dirty="0" err="1">
+                <a:solidFill>
+                  <a:srgbClr val="FF0000"/>
+                </a:solidFill>
+              </a:rPr>
+              <a:t>statcrunch</a:t>
+            </a:r>
             <a:r>
               <a:rPr lang="en-US" sz="2400" dirty="0">
                 <a:solidFill>
                   <a:srgbClr val="FF0000"/>
                 </a:solidFill>
               </a:rPr>
-              <a:t>Fill in the 2</a:t>
+              <a:t>.</a:t>
+            </a:r>
+            <a:endParaRPr lang="en-US" sz="2400" dirty="0"/>
+          </a:p>
+          <a:p>
+            <a:pPr lvl="2">
+              <a:buFont typeface="Wingdings" pitchFamily="2" charset="2"/>
+              <a:buChar char="ü"/>
+            </a:pPr>
+            <a:r>
+              <a:rPr lang="en-US" sz="2400" dirty="0">
+                <a:solidFill>
+                  <a:srgbClr val="FF0000"/>
+                </a:solidFill>
+              </a:rPr>
+              <a:t>Copy the Randomized Sequence column of Table 3.2 to the 2</a:t>
             </a:r>
             <a:r>
               <a:rPr lang="en-US" sz="2400" baseline="30000" dirty="0">
@@ -3570,11 +3560,11 @@
                   </a:schemeClr>
                 </a:solidFill>
               </a:rPr>
-              <a:t>measure in unit CM (centimeter). </a:t>
+              <a:t>measure in unit gram. </a:t>
             </a:r>
             <a:r>
               <a:rPr lang="en-US" sz="2000" dirty="0"/>
-              <a:t>Denote one as FIRST (for example, a small ruler) and the other as SECOND ( for example, a measuring tape)</a:t>
+              <a:t>Denote One as One cup and the other as Thirds ( a one-third measuring cup)</a:t>
             </a:r>
           </a:p>
           <a:p>
@@ -3591,7 +3581,7 @@
                   <a:srgbClr val="0070C0"/>
                 </a:solidFill>
               </a:rPr>
-              <a:t>FIRST</a:t>
+              <a:t>One</a:t>
             </a:r>
             <a:r>
               <a:rPr lang="en-US" dirty="0"/>
@@ -3599,19 +3589,11 @@
             </a:r>
             <a:r>
               <a:rPr lang="en-US" u="sng" dirty="0"/>
-              <a:t>FIRST</a:t>
+              <a:t>One cup</a:t>
             </a:r>
             <a:r>
               <a:rPr lang="en-US" dirty="0"/>
-              <a:t> measuring tool to measure the length of the 1</a:t>
-            </a:r>
-            <a:r>
-              <a:rPr lang="en-US" baseline="30000" dirty="0"/>
-              <a:t>st</a:t>
-            </a:r>
-            <a:r>
-              <a:rPr lang="en-US" dirty="0"/>
-              <a:t> spoon and record measurement. </a:t>
+              <a:t> measuring tool to measure the weight of the beads and record measurement. </a:t>
             </a:r>
           </a:p>
           <a:p>
@@ -3622,7 +3604,7 @@
                   <a:srgbClr val="0070C0"/>
                 </a:solidFill>
               </a:rPr>
-              <a:t>SECOND</a:t>
+              <a:t>Thirds</a:t>
             </a:r>
             <a:r>
               <a:rPr lang="en-US" dirty="0"/>
@@ -3630,19 +3612,23 @@
             </a:r>
             <a:r>
               <a:rPr lang="en-US" u="sng" dirty="0"/>
-              <a:t>SECOND</a:t>
+              <a:t>One-third cup</a:t>
             </a:r>
             <a:r>
               <a:rPr lang="en-US" dirty="0"/>
-              <a:t> measuring tool to measure the length of the 1</a:t>
-            </a:r>
-            <a:r>
-              <a:rPr lang="en-US" baseline="30000" dirty="0"/>
-              <a:t>st</a:t>
+              <a:t> measuring tool to measure the weight of the beads by </a:t>
+            </a:r>
+            <a:r>
+              <a:rPr lang="en-US" dirty="0">
+                <a:solidFill>
+                  <a:srgbClr val="FF0000"/>
+                </a:solidFill>
+              </a:rPr>
+              <a:t>adding up the weight of three measurements</a:t>
             </a:r>
             <a:r>
               <a:rPr lang="en-US" dirty="0"/>
-              <a:t> spoon and record measurement and so on.</a:t>
+              <a:t> and record and so on.</a:t>
             </a:r>
           </a:p>
           <a:p>
@@ -3651,7 +3637,7 @@
             </a:pPr>
             <a:r>
               <a:rPr lang="en-US" dirty="0"/>
-              <a:t>Measure all 10 spoons using your First and Second tool according to the random order. You will have 20 measurements at the end.</a:t>
+              <a:t>Measure all  using your One and Thirds tool according to the random order. You will have 20 measurements at the end.</a:t>
             </a:r>
           </a:p>
           <a:p>
@@ -3672,7 +3658,7 @@
             </a:r>
             <a:r>
               <a:rPr lang="en-US" dirty="0"/>
-              <a:t>do all FIRST measuring measurements at once  (or vice versa).   </a:t>
+              <a:t>do all One-cup measuring measurements at once  (or vice versa).   </a:t>
             </a:r>
           </a:p>
           <a:p>
@@ -3798,7 +3784,7 @@
             </a:r>
             <a:r>
               <a:rPr lang="en-US" sz="2400" b="1" dirty="0"/>
-              <a:t>FIRST</a:t>
+              <a:t>ONE</a:t>
             </a:r>
             <a:r>
               <a:rPr lang="en-US" sz="2400" dirty="0"/>
@@ -3814,7 +3800,7 @@
             </a:r>
             <a:r>
               <a:rPr lang="en-US" sz="2400" b="1" dirty="0"/>
-              <a:t>SECOND</a:t>
+              <a:t>THIRDS</a:t>
             </a:r>
             <a:r>
               <a:rPr lang="en-US" sz="2400" dirty="0"/>
@@ -3830,7 +3816,7 @@
           <a:p>
             <a:r>
               <a:rPr lang="en-US" sz="2400" dirty="0"/>
-              <a:t>From the table 3.3, separate the measurements of the FIRST tool in the 1</a:t>
+              <a:t>From the table 3.3, separate the measurements of the One tool in the 1</a:t>
             </a:r>
             <a:r>
               <a:rPr lang="en-US" sz="2400" baseline="30000" dirty="0"/>
@@ -3838,7 +3824,7 @@
             </a:r>
             <a:r>
               <a:rPr lang="en-US" sz="2400" dirty="0"/>
-              <a:t> column of table 3.4 and the measurements of the SECOND tool in the 1</a:t>
+              <a:t> column of table 3.4 and the measurements of the Thirds tool in the 1</a:t>
             </a:r>
             <a:r>
               <a:rPr lang="en-US" sz="2400" baseline="30000" dirty="0"/>
